--- a/ppt/Presentation.pptx
+++ b/ppt/Presentation.pptx
@@ -2,10 +2,15 @@
 <file path=ppt/presentation.xml><?xml version="1.0" encoding="utf-8"?>
 <p:presentation xmlns:a="http://schemas.openxmlformats.org/drawingml/2006/main" xmlns:r="http://schemas.openxmlformats.org/officeDocument/2006/relationships" xmlns:p="http://schemas.openxmlformats.org/presentationml/2006/main" saveSubsetFonts="1">
   <p:sldMasterIdLst>
-    <p:sldMasterId id="2147483648" r:id="rId1"/>
+    <p:sldMasterId id="2147484196" r:id="rId1"/>
   </p:sldMasterIdLst>
   <p:sldIdLst>
     <p:sldId id="256" r:id="rId2"/>
+    <p:sldId id="257" r:id="rId3"/>
+    <p:sldId id="262" r:id="rId4"/>
+    <p:sldId id="261" r:id="rId5"/>
+    <p:sldId id="258" r:id="rId6"/>
+    <p:sldId id="259" r:id="rId7"/>
   </p:sldIdLst>
   <p:sldSz cx="12192000" cy="6858000"/>
   <p:notesSz cx="6858000" cy="9144000"/>
@@ -13,7 +18,7 @@
     <a:defPPr>
       <a:defRPr lang="en-US"/>
     </a:defPPr>
-    <a:lvl1pPr marL="0" algn="l" defTabSz="914400" rtl="0" eaLnBrk="1" latinLnBrk="0" hangingPunct="1">
+    <a:lvl1pPr marL="0" algn="l" defTabSz="457200" rtl="0" eaLnBrk="1" latinLnBrk="0" hangingPunct="1">
       <a:defRPr sz="1800" kern="1200">
         <a:solidFill>
           <a:schemeClr val="tx1"/>
@@ -23,7 +28,7 @@
         <a:cs typeface="+mn-cs"/>
       </a:defRPr>
     </a:lvl1pPr>
-    <a:lvl2pPr marL="457200" algn="l" defTabSz="914400" rtl="0" eaLnBrk="1" latinLnBrk="0" hangingPunct="1">
+    <a:lvl2pPr marL="457200" algn="l" defTabSz="457200" rtl="0" eaLnBrk="1" latinLnBrk="0" hangingPunct="1">
       <a:defRPr sz="1800" kern="1200">
         <a:solidFill>
           <a:schemeClr val="tx1"/>
@@ -33,7 +38,7 @@
         <a:cs typeface="+mn-cs"/>
       </a:defRPr>
     </a:lvl2pPr>
-    <a:lvl3pPr marL="914400" algn="l" defTabSz="914400" rtl="0" eaLnBrk="1" latinLnBrk="0" hangingPunct="1">
+    <a:lvl3pPr marL="914400" algn="l" defTabSz="457200" rtl="0" eaLnBrk="1" latinLnBrk="0" hangingPunct="1">
       <a:defRPr sz="1800" kern="1200">
         <a:solidFill>
           <a:schemeClr val="tx1"/>
@@ -43,7 +48,7 @@
         <a:cs typeface="+mn-cs"/>
       </a:defRPr>
     </a:lvl3pPr>
-    <a:lvl4pPr marL="1371600" algn="l" defTabSz="914400" rtl="0" eaLnBrk="1" latinLnBrk="0" hangingPunct="1">
+    <a:lvl4pPr marL="1371600" algn="l" defTabSz="457200" rtl="0" eaLnBrk="1" latinLnBrk="0" hangingPunct="1">
       <a:defRPr sz="1800" kern="1200">
         <a:solidFill>
           <a:schemeClr val="tx1"/>
@@ -53,7 +58,7 @@
         <a:cs typeface="+mn-cs"/>
       </a:defRPr>
     </a:lvl4pPr>
-    <a:lvl5pPr marL="1828800" algn="l" defTabSz="914400" rtl="0" eaLnBrk="1" latinLnBrk="0" hangingPunct="1">
+    <a:lvl5pPr marL="1828800" algn="l" defTabSz="457200" rtl="0" eaLnBrk="1" latinLnBrk="0" hangingPunct="1">
       <a:defRPr sz="1800" kern="1200">
         <a:solidFill>
           <a:schemeClr val="tx1"/>
@@ -63,7 +68,7 @@
         <a:cs typeface="+mn-cs"/>
       </a:defRPr>
     </a:lvl5pPr>
-    <a:lvl6pPr marL="2286000" algn="l" defTabSz="914400" rtl="0" eaLnBrk="1" latinLnBrk="0" hangingPunct="1">
+    <a:lvl6pPr marL="2286000" algn="l" defTabSz="457200" rtl="0" eaLnBrk="1" latinLnBrk="0" hangingPunct="1">
       <a:defRPr sz="1800" kern="1200">
         <a:solidFill>
           <a:schemeClr val="tx1"/>
@@ -73,7 +78,7 @@
         <a:cs typeface="+mn-cs"/>
       </a:defRPr>
     </a:lvl6pPr>
-    <a:lvl7pPr marL="2743200" algn="l" defTabSz="914400" rtl="0" eaLnBrk="1" latinLnBrk="0" hangingPunct="1">
+    <a:lvl7pPr marL="2743200" algn="l" defTabSz="457200" rtl="0" eaLnBrk="1" latinLnBrk="0" hangingPunct="1">
       <a:defRPr sz="1800" kern="1200">
         <a:solidFill>
           <a:schemeClr val="tx1"/>
@@ -83,7 +88,7 @@
         <a:cs typeface="+mn-cs"/>
       </a:defRPr>
     </a:lvl7pPr>
-    <a:lvl8pPr marL="3200400" algn="l" defTabSz="914400" rtl="0" eaLnBrk="1" latinLnBrk="0" hangingPunct="1">
+    <a:lvl8pPr marL="3200400" algn="l" defTabSz="457200" rtl="0" eaLnBrk="1" latinLnBrk="0" hangingPunct="1">
       <a:defRPr sz="1800" kern="1200">
         <a:solidFill>
           <a:schemeClr val="tx1"/>
@@ -93,7 +98,7 @@
         <a:cs typeface="+mn-cs"/>
       </a:defRPr>
     </a:lvl8pPr>
-    <a:lvl9pPr marL="3657600" algn="l" defTabSz="914400" rtl="0" eaLnBrk="1" latinLnBrk="0" hangingPunct="1">
+    <a:lvl9pPr marL="3657600" algn="l" defTabSz="457200" rtl="0" eaLnBrk="1" latinLnBrk="0" hangingPunct="1">
       <a:defRPr sz="1800" kern="1200">
         <a:solidFill>
           <a:schemeClr val="tx1"/>
@@ -104,12 +109,27 @@
       </a:defRPr>
     </a:lvl9pPr>
   </p:defaultTextStyle>
+  <p:extLst>
+    <p:ext uri="{EFAFB233-063F-42B5-8137-9DF3F51BA10A}">
+      <p15:sldGuideLst xmlns:p15="http://schemas.microsoft.com/office/powerpoint/2012/main"/>
+    </p:ext>
+  </p:extLst>
 </p:presentation>
 </file>
 
 <file path=ppt/slideLayouts/slideLayout1.xml><?xml version="1.0" encoding="utf-8"?>
-<p:sldLayout xmlns:a="http://schemas.openxmlformats.org/drawingml/2006/main" xmlns:r="http://schemas.openxmlformats.org/officeDocument/2006/relationships" xmlns:p="http://schemas.openxmlformats.org/presentationml/2006/main" type="title" preserve="1">
+<p:sldLayout xmlns:a="http://schemas.openxmlformats.org/drawingml/2006/main" xmlns:r="http://schemas.openxmlformats.org/officeDocument/2006/relationships" xmlns:p="http://schemas.openxmlformats.org/presentationml/2006/main" showMasterSp="0" type="title" preserve="1">
   <p:cSld name="Title Slide">
+    <p:bg>
+      <p:bgPr>
+        <a:solidFill>
+          <a:schemeClr val="bg2">
+            <a:lumMod val="75000"/>
+          </a:schemeClr>
+        </a:solidFill>
+        <a:effectLst/>
+      </p:bgPr>
+    </p:bg>
     <p:spTree>
       <p:nvGrpSpPr>
         <p:cNvPr id="1" name=""/>
@@ -126,13 +146,7 @@
       </p:grpSpPr>
       <p:sp>
         <p:nvSpPr>
-          <p:cNvPr id="2" name="Title 1">
-            <a:extLst>
-              <a:ext uri="{FF2B5EF4-FFF2-40B4-BE49-F238E27FC236}">
-                <a16:creationId xmlns:a16="http://schemas.microsoft.com/office/drawing/2014/main" id="{0C877B7E-B4D1-4E91-8E4C-317B65494A61}"/>
-              </a:ext>
-            </a:extLst>
-          </p:cNvPr>
+          <p:cNvPr id="2" name="Title 1"/>
           <p:cNvSpPr>
             <a:spLocks noGrp="1"/>
           </p:cNvSpPr>
@@ -142,15 +156,24 @@
         </p:nvSpPr>
         <p:spPr>
           <a:xfrm>
-            <a:off x="1524000" y="1122363"/>
-            <a:ext cx="9144000" cy="2387600"/>
+            <a:off x="1261872" y="758952"/>
+            <a:ext cx="9418320" cy="4041648"/>
           </a:xfrm>
         </p:spPr>
         <p:txBody>
-          <a:bodyPr anchor="b"/>
+          <a:bodyPr anchor="b">
+            <a:normAutofit/>
+          </a:bodyPr>
           <a:lstStyle>
-            <a:lvl1pPr algn="ctr">
-              <a:defRPr sz="6000"/>
+            <a:lvl1pPr algn="l">
+              <a:lnSpc>
+                <a:spcPct val="85000"/>
+              </a:lnSpc>
+              <a:defRPr sz="7200" baseline="0">
+                <a:solidFill>
+                  <a:schemeClr val="tx1"/>
+                </a:solidFill>
+              </a:defRPr>
             </a:lvl1pPr>
           </a:lstStyle>
           <a:p>
@@ -158,18 +181,13 @@
               <a:rPr lang="en-US"/>
               <a:t>Click to edit Master title style</a:t>
             </a:r>
-          </a:p>
-        </p:txBody>
-      </p:sp>
-      <p:sp>
-        <p:nvSpPr>
-          <p:cNvPr id="3" name="Subtitle 2">
-            <a:extLst>
-              <a:ext uri="{FF2B5EF4-FFF2-40B4-BE49-F238E27FC236}">
-                <a16:creationId xmlns:a16="http://schemas.microsoft.com/office/drawing/2014/main" id="{212F8E97-977F-4666-B8FB-57248275BA7C}"/>
-              </a:ext>
-            </a:extLst>
-          </p:cNvPr>
+            <a:endParaRPr lang="en-US" dirty="0"/>
+          </a:p>
+        </p:txBody>
+      </p:sp>
+      <p:sp>
+        <p:nvSpPr>
+          <p:cNvPr id="3" name="Subtitle 2"/>
           <p:cNvSpPr>
             <a:spLocks noGrp="1"/>
           </p:cNvSpPr>
@@ -179,48 +197,56 @@
         </p:nvSpPr>
         <p:spPr>
           <a:xfrm>
-            <a:off x="1524000" y="3602038"/>
-            <a:ext cx="9144000" cy="1655762"/>
+            <a:off x="1261872" y="4800600"/>
+            <a:ext cx="9418320" cy="1691640"/>
           </a:xfrm>
         </p:spPr>
         <p:txBody>
-          <a:bodyPr/>
+          <a:bodyPr>
+            <a:normAutofit/>
+          </a:bodyPr>
           <a:lstStyle>
-            <a:lvl1pPr marL="0" indent="0" algn="ctr">
-              <a:buNone/>
-              <a:defRPr sz="2400"/>
+            <a:lvl1pPr marL="0" indent="0" algn="l">
+              <a:buNone/>
+              <a:defRPr sz="2200" baseline="0">
+                <a:solidFill>
+                  <a:schemeClr val="tx1">
+                    <a:lumMod val="75000"/>
+                  </a:schemeClr>
+                </a:solidFill>
+              </a:defRPr>
             </a:lvl1pPr>
             <a:lvl2pPr marL="457200" indent="0" algn="ctr">
               <a:buNone/>
-              <a:defRPr sz="2000"/>
+              <a:defRPr sz="2200"/>
             </a:lvl2pPr>
             <a:lvl3pPr marL="914400" indent="0" algn="ctr">
               <a:buNone/>
-              <a:defRPr sz="1800"/>
+              <a:defRPr sz="2200"/>
             </a:lvl3pPr>
             <a:lvl4pPr marL="1371600" indent="0" algn="ctr">
               <a:buNone/>
-              <a:defRPr sz="1600"/>
+              <a:defRPr sz="2000"/>
             </a:lvl4pPr>
             <a:lvl5pPr marL="1828800" indent="0" algn="ctr">
               <a:buNone/>
-              <a:defRPr sz="1600"/>
+              <a:defRPr sz="2000"/>
             </a:lvl5pPr>
             <a:lvl6pPr marL="2286000" indent="0" algn="ctr">
               <a:buNone/>
-              <a:defRPr sz="1600"/>
+              <a:defRPr sz="2000"/>
             </a:lvl6pPr>
             <a:lvl7pPr marL="2743200" indent="0" algn="ctr">
               <a:buNone/>
-              <a:defRPr sz="1600"/>
+              <a:defRPr sz="2000"/>
             </a:lvl7pPr>
             <a:lvl8pPr marL="3200400" indent="0" algn="ctr">
               <a:buNone/>
-              <a:defRPr sz="1600"/>
+              <a:defRPr sz="2000"/>
             </a:lvl8pPr>
             <a:lvl9pPr marL="3657600" indent="0" algn="ctr">
               <a:buNone/>
-              <a:defRPr sz="1600"/>
+              <a:defRPr sz="2000"/>
             </a:lvl9pPr>
           </a:lstStyle>
           <a:p>
@@ -228,18 +254,13 @@
               <a:rPr lang="en-US"/>
               <a:t>Click to edit Master subtitle style</a:t>
             </a:r>
-          </a:p>
-        </p:txBody>
-      </p:sp>
-      <p:sp>
-        <p:nvSpPr>
-          <p:cNvPr id="4" name="Date Placeholder 3">
-            <a:extLst>
-              <a:ext uri="{FF2B5EF4-FFF2-40B4-BE49-F238E27FC236}">
-                <a16:creationId xmlns:a16="http://schemas.microsoft.com/office/drawing/2014/main" id="{D2347D76-6D1B-4031-B70A-FFBC196A9540}"/>
-              </a:ext>
-            </a:extLst>
-          </p:cNvPr>
+            <a:endParaRPr lang="en-US" dirty="0"/>
+          </a:p>
+        </p:txBody>
+      </p:sp>
+      <p:sp>
+        <p:nvSpPr>
+          <p:cNvPr id="4" name="Date Placeholder 3"/>
           <p:cNvSpPr>
             <a:spLocks noGrp="1"/>
           </p:cNvSpPr>
@@ -250,11 +271,21 @@
         <p:spPr/>
         <p:txBody>
           <a:bodyPr/>
-          <a:lstStyle/>
+          <a:lstStyle>
+            <a:lvl1pPr>
+              <a:defRPr>
+                <a:solidFill>
+                  <a:schemeClr val="tx1">
+                    <a:lumMod val="50000"/>
+                  </a:schemeClr>
+                </a:solidFill>
+              </a:defRPr>
+            </a:lvl1pPr>
+          </a:lstStyle>
           <a:p>
             <a:fld id="{615BF2CF-6B1E-4295-8497-3C1A078AB40C}" type="datetimeFigureOut">
               <a:rPr lang="en-US" smtClean="0"/>
-              <a:t>24-Apr-20</a:t>
+              <a:t>26-Apr-20</a:t>
             </a:fld>
             <a:endParaRPr lang="en-US"/>
           </a:p>
@@ -262,13 +293,7 @@
       </p:sp>
       <p:sp>
         <p:nvSpPr>
-          <p:cNvPr id="5" name="Footer Placeholder 4">
-            <a:extLst>
-              <a:ext uri="{FF2B5EF4-FFF2-40B4-BE49-F238E27FC236}">
-                <a16:creationId xmlns:a16="http://schemas.microsoft.com/office/drawing/2014/main" id="{62E15B55-1421-4B49-A793-B863535781F3}"/>
-              </a:ext>
-            </a:extLst>
-          </p:cNvPr>
+          <p:cNvPr id="5" name="Footer Placeholder 4"/>
           <p:cNvSpPr>
             <a:spLocks noGrp="1"/>
           </p:cNvSpPr>
@@ -279,7 +304,17 @@
         <p:spPr/>
         <p:txBody>
           <a:bodyPr/>
-          <a:lstStyle/>
+          <a:lstStyle>
+            <a:lvl1pPr>
+              <a:defRPr>
+                <a:solidFill>
+                  <a:schemeClr val="tx1">
+                    <a:lumMod val="65000"/>
+                  </a:schemeClr>
+                </a:solidFill>
+              </a:defRPr>
+            </a:lvl1pPr>
+          </a:lstStyle>
           <a:p>
             <a:endParaRPr lang="en-US"/>
           </a:p>
@@ -287,13 +322,7 @@
       </p:sp>
       <p:sp>
         <p:nvSpPr>
-          <p:cNvPr id="6" name="Slide Number Placeholder 5">
-            <a:extLst>
-              <a:ext uri="{FF2B5EF4-FFF2-40B4-BE49-F238E27FC236}">
-                <a16:creationId xmlns:a16="http://schemas.microsoft.com/office/drawing/2014/main" id="{1234EC87-2C41-4445-979C-88D34DB09887}"/>
-              </a:ext>
-            </a:extLst>
-          </p:cNvPr>
+          <p:cNvPr id="6" name="Slide Number Placeholder 5"/>
           <p:cNvSpPr>
             <a:spLocks noGrp="1"/>
           </p:cNvSpPr>
@@ -304,7 +333,17 @@
         <p:spPr/>
         <p:txBody>
           <a:bodyPr/>
-          <a:lstStyle/>
+          <a:lstStyle>
+            <a:lvl1pPr>
+              <a:defRPr>
+                <a:solidFill>
+                  <a:schemeClr val="tx1">
+                    <a:lumMod val="65000"/>
+                  </a:schemeClr>
+                </a:solidFill>
+              </a:defRPr>
+            </a:lvl1pPr>
+          </a:lstStyle>
           <a:p>
             <a:fld id="{6E4E90BD-C3DD-4B61-94A6-8B01233BE08A}" type="slidenum">
               <a:rPr lang="en-US" smtClean="0"/>
@@ -314,15 +353,53 @@
           </a:p>
         </p:txBody>
       </p:sp>
+      <p:sp>
+        <p:nvSpPr>
+          <p:cNvPr id="7" name="Rectangle 6"/>
+          <p:cNvSpPr/>
+          <p:nvPr/>
+        </p:nvSpPr>
+        <p:spPr>
+          <a:xfrm>
+            <a:off x="0" y="0"/>
+            <a:ext cx="457200" cy="6858000"/>
+          </a:xfrm>
+          <a:prstGeom prst="rect">
+            <a:avLst/>
+          </a:prstGeom>
+          <a:solidFill>
+            <a:schemeClr val="accent1"/>
+          </a:solidFill>
+          <a:ln>
+            <a:noFill/>
+          </a:ln>
+        </p:spPr>
+        <p:style>
+          <a:lnRef idx="2">
+            <a:schemeClr val="accent1">
+              <a:shade val="50000"/>
+            </a:schemeClr>
+          </a:lnRef>
+          <a:fillRef idx="1">
+            <a:schemeClr val="accent1"/>
+          </a:fillRef>
+          <a:effectRef idx="0">
+            <a:schemeClr val="accent1"/>
+          </a:effectRef>
+          <a:fontRef idx="minor">
+            <a:schemeClr val="lt1"/>
+          </a:fontRef>
+        </p:style>
+      </p:sp>
     </p:spTree>
     <p:extLst>
       <p:ext uri="{BB962C8B-B14F-4D97-AF65-F5344CB8AC3E}">
-        <p14:creationId xmlns:p14="http://schemas.microsoft.com/office/powerpoint/2010/main" val="2361175457"/>
+        <p14:creationId xmlns:p14="http://schemas.microsoft.com/office/powerpoint/2010/main" val="3303899794"/>
       </p:ext>
     </p:extLst>
   </p:cSld>
   <p:clrMapOvr>
-    <a:masterClrMapping/>
+    <a:overrideClrMapping bg1="dk1" tx1="lt1" bg2="dk2" tx2="lt2" accent1="accent1" accent2="accent2" accent3="accent3" accent4="accent4" accent5="accent5" accent6="accent6" hlink="hlink" folHlink="folHlink"/>
   </p:clrMapOvr>
 </p:sldLayout>
 </file>
@@ -346,13 +423,7 @@
       </p:grpSpPr>
       <p:sp>
         <p:nvSpPr>
-          <p:cNvPr id="2" name="Title 1">
-            <a:extLst>
-              <a:ext uri="{FF2B5EF4-FFF2-40B4-BE49-F238E27FC236}">
-                <a16:creationId xmlns:a16="http://schemas.microsoft.com/office/drawing/2014/main" id="{5B39BB3B-4723-4872-B93E-E026475B4E43}"/>
-              </a:ext>
-            </a:extLst>
-          </p:cNvPr>
+          <p:cNvPr id="2" name="Title 1"/>
           <p:cNvSpPr>
             <a:spLocks noGrp="1"/>
           </p:cNvSpPr>
@@ -369,18 +440,13 @@
               <a:rPr lang="en-US"/>
               <a:t>Click to edit Master title style</a:t>
             </a:r>
-          </a:p>
-        </p:txBody>
-      </p:sp>
-      <p:sp>
-        <p:nvSpPr>
-          <p:cNvPr id="3" name="Vertical Text Placeholder 2">
-            <a:extLst>
-              <a:ext uri="{FF2B5EF4-FFF2-40B4-BE49-F238E27FC236}">
-                <a16:creationId xmlns:a16="http://schemas.microsoft.com/office/drawing/2014/main" id="{B65AF04C-A9AD-4015-912C-EF35EA6DD29F}"/>
-              </a:ext>
-            </a:extLst>
-          </p:cNvPr>
+            <a:endParaRPr lang="en-US" dirty="0"/>
+          </a:p>
+        </p:txBody>
+      </p:sp>
+      <p:sp>
+        <p:nvSpPr>
+          <p:cNvPr id="3" name="Vertical Text Placeholder 2"/>
           <p:cNvSpPr>
             <a:spLocks noGrp="1"/>
           </p:cNvSpPr>
@@ -426,18 +492,13 @@
               <a:rPr lang="en-US"/>
               <a:t>Fifth level</a:t>
             </a:r>
-          </a:p>
-        </p:txBody>
-      </p:sp>
-      <p:sp>
-        <p:nvSpPr>
-          <p:cNvPr id="4" name="Date Placeholder 3">
-            <a:extLst>
-              <a:ext uri="{FF2B5EF4-FFF2-40B4-BE49-F238E27FC236}">
-                <a16:creationId xmlns:a16="http://schemas.microsoft.com/office/drawing/2014/main" id="{8BFC0FE6-B957-41E5-85C7-8BAE4252A2AF}"/>
-              </a:ext>
-            </a:extLst>
-          </p:cNvPr>
+            <a:endParaRPr lang="en-US" dirty="0"/>
+          </a:p>
+        </p:txBody>
+      </p:sp>
+      <p:sp>
+        <p:nvSpPr>
+          <p:cNvPr id="4" name="Date Placeholder 3"/>
           <p:cNvSpPr>
             <a:spLocks noGrp="1"/>
           </p:cNvSpPr>
@@ -452,7 +513,7 @@
           <a:p>
             <a:fld id="{615BF2CF-6B1E-4295-8497-3C1A078AB40C}" type="datetimeFigureOut">
               <a:rPr lang="en-US" smtClean="0"/>
-              <a:t>24-Apr-20</a:t>
+              <a:t>26-Apr-20</a:t>
             </a:fld>
             <a:endParaRPr lang="en-US"/>
           </a:p>
@@ -460,13 +521,7 @@
       </p:sp>
       <p:sp>
         <p:nvSpPr>
-          <p:cNvPr id="5" name="Footer Placeholder 4">
-            <a:extLst>
-              <a:ext uri="{FF2B5EF4-FFF2-40B4-BE49-F238E27FC236}">
-                <a16:creationId xmlns:a16="http://schemas.microsoft.com/office/drawing/2014/main" id="{F55C8F1E-B43B-4508-84C0-2E913E1F2147}"/>
-              </a:ext>
-            </a:extLst>
-          </p:cNvPr>
+          <p:cNvPr id="5" name="Footer Placeholder 4"/>
           <p:cNvSpPr>
             <a:spLocks noGrp="1"/>
           </p:cNvSpPr>
@@ -485,13 +540,7 @@
       </p:sp>
       <p:sp>
         <p:nvSpPr>
-          <p:cNvPr id="6" name="Slide Number Placeholder 5">
-            <a:extLst>
-              <a:ext uri="{FF2B5EF4-FFF2-40B4-BE49-F238E27FC236}">
-                <a16:creationId xmlns:a16="http://schemas.microsoft.com/office/drawing/2014/main" id="{4CE6FB7F-C2B2-4385-904F-57DEBEB65DA1}"/>
-              </a:ext>
-            </a:extLst>
-          </p:cNvPr>
+          <p:cNvPr id="6" name="Slide Number Placeholder 5"/>
           <p:cNvSpPr>
             <a:spLocks noGrp="1"/>
           </p:cNvSpPr>
@@ -515,7 +564,7 @@
     </p:spTree>
     <p:extLst>
       <p:ext uri="{BB962C8B-B14F-4D97-AF65-F5344CB8AC3E}">
-        <p14:creationId xmlns:p14="http://schemas.microsoft.com/office/powerpoint/2010/main" val="1456414307"/>
+        <p14:creationId xmlns:p14="http://schemas.microsoft.com/office/powerpoint/2010/main" val="3098165841"/>
       </p:ext>
     </p:extLst>
   </p:cSld>
@@ -544,13 +593,7 @@
       </p:grpSpPr>
       <p:sp>
         <p:nvSpPr>
-          <p:cNvPr id="2" name="Vertical Title 1">
-            <a:extLst>
-              <a:ext uri="{FF2B5EF4-FFF2-40B4-BE49-F238E27FC236}">
-                <a16:creationId xmlns:a16="http://schemas.microsoft.com/office/drawing/2014/main" id="{C64A276B-CD47-499E-AA7E-939B8641A9A5}"/>
-              </a:ext>
-            </a:extLst>
-          </p:cNvPr>
+          <p:cNvPr id="2" name="Vertical Title 1"/>
           <p:cNvSpPr>
             <a:spLocks noGrp="1"/>
           </p:cNvSpPr>
@@ -560,8 +603,8 @@
         </p:nvSpPr>
         <p:spPr>
           <a:xfrm>
-            <a:off x="8724900" y="365125"/>
-            <a:ext cx="2628900" cy="5811838"/>
+            <a:off x="8648700" y="381000"/>
+            <a:ext cx="2476500" cy="5897562"/>
           </a:xfrm>
         </p:spPr>
         <p:txBody>
@@ -572,18 +615,13 @@
               <a:rPr lang="en-US"/>
               <a:t>Click to edit Master title style</a:t>
             </a:r>
-          </a:p>
-        </p:txBody>
-      </p:sp>
-      <p:sp>
-        <p:nvSpPr>
-          <p:cNvPr id="3" name="Vertical Text Placeholder 2">
-            <a:extLst>
-              <a:ext uri="{FF2B5EF4-FFF2-40B4-BE49-F238E27FC236}">
-                <a16:creationId xmlns:a16="http://schemas.microsoft.com/office/drawing/2014/main" id="{6F2917E1-CFCE-43A6-9B75-7B90F2499359}"/>
-              </a:ext>
-            </a:extLst>
-          </p:cNvPr>
+            <a:endParaRPr lang="en-US" dirty="0"/>
+          </a:p>
+        </p:txBody>
+      </p:sp>
+      <p:sp>
+        <p:nvSpPr>
+          <p:cNvPr id="3" name="Vertical Text Placeholder 2"/>
           <p:cNvSpPr>
             <a:spLocks noGrp="1"/>
           </p:cNvSpPr>
@@ -593,8 +631,8 @@
         </p:nvSpPr>
         <p:spPr>
           <a:xfrm>
-            <a:off x="838200" y="365125"/>
-            <a:ext cx="7734300" cy="5811838"/>
+            <a:off x="762000" y="381000"/>
+            <a:ext cx="7734300" cy="5897562"/>
           </a:xfrm>
         </p:spPr>
         <p:txBody>
@@ -634,18 +672,13 @@
               <a:rPr lang="en-US"/>
               <a:t>Fifth level</a:t>
             </a:r>
-          </a:p>
-        </p:txBody>
-      </p:sp>
-      <p:sp>
-        <p:nvSpPr>
-          <p:cNvPr id="4" name="Date Placeholder 3">
-            <a:extLst>
-              <a:ext uri="{FF2B5EF4-FFF2-40B4-BE49-F238E27FC236}">
-                <a16:creationId xmlns:a16="http://schemas.microsoft.com/office/drawing/2014/main" id="{09279FA0-0AA7-481F-AAD0-A91F4E8A2AB1}"/>
-              </a:ext>
-            </a:extLst>
-          </p:cNvPr>
+            <a:endParaRPr lang="en-US" dirty="0"/>
+          </a:p>
+        </p:txBody>
+      </p:sp>
+      <p:sp>
+        <p:nvSpPr>
+          <p:cNvPr id="4" name="Date Placeholder 3"/>
           <p:cNvSpPr>
             <a:spLocks noGrp="1"/>
           </p:cNvSpPr>
@@ -660,7 +693,7 @@
           <a:p>
             <a:fld id="{615BF2CF-6B1E-4295-8497-3C1A078AB40C}" type="datetimeFigureOut">
               <a:rPr lang="en-US" smtClean="0"/>
-              <a:t>24-Apr-20</a:t>
+              <a:t>26-Apr-20</a:t>
             </a:fld>
             <a:endParaRPr lang="en-US"/>
           </a:p>
@@ -668,13 +701,7 @@
       </p:sp>
       <p:sp>
         <p:nvSpPr>
-          <p:cNvPr id="5" name="Footer Placeholder 4">
-            <a:extLst>
-              <a:ext uri="{FF2B5EF4-FFF2-40B4-BE49-F238E27FC236}">
-                <a16:creationId xmlns:a16="http://schemas.microsoft.com/office/drawing/2014/main" id="{E60DAE15-035F-443A-B120-48B070A1CE44}"/>
-              </a:ext>
-            </a:extLst>
-          </p:cNvPr>
+          <p:cNvPr id="5" name="Footer Placeholder 4"/>
           <p:cNvSpPr>
             <a:spLocks noGrp="1"/>
           </p:cNvSpPr>
@@ -693,13 +720,7 @@
       </p:sp>
       <p:sp>
         <p:nvSpPr>
-          <p:cNvPr id="6" name="Slide Number Placeholder 5">
-            <a:extLst>
-              <a:ext uri="{FF2B5EF4-FFF2-40B4-BE49-F238E27FC236}">
-                <a16:creationId xmlns:a16="http://schemas.microsoft.com/office/drawing/2014/main" id="{4CE97A11-0C8B-48F7-A03A-30AA9573D5F2}"/>
-              </a:ext>
-            </a:extLst>
-          </p:cNvPr>
+          <p:cNvPr id="6" name="Slide Number Placeholder 5"/>
           <p:cNvSpPr>
             <a:spLocks noGrp="1"/>
           </p:cNvSpPr>
@@ -723,7 +744,7 @@
     </p:spTree>
     <p:extLst>
       <p:ext uri="{BB962C8B-B14F-4D97-AF65-F5344CB8AC3E}">
-        <p14:creationId xmlns:p14="http://schemas.microsoft.com/office/powerpoint/2010/main" val="357291223"/>
+        <p14:creationId xmlns:p14="http://schemas.microsoft.com/office/powerpoint/2010/main" val="3784603126"/>
       </p:ext>
     </p:extLst>
   </p:cSld>
@@ -752,13 +773,7 @@
       </p:grpSpPr>
       <p:sp>
         <p:nvSpPr>
-          <p:cNvPr id="2" name="Title 1">
-            <a:extLst>
-              <a:ext uri="{FF2B5EF4-FFF2-40B4-BE49-F238E27FC236}">
-                <a16:creationId xmlns:a16="http://schemas.microsoft.com/office/drawing/2014/main" id="{EC6898D0-5D3E-439D-BD17-0151EE5BA186}"/>
-              </a:ext>
-            </a:extLst>
-          </p:cNvPr>
+          <p:cNvPr id="2" name="Title 1"/>
           <p:cNvSpPr>
             <a:spLocks noGrp="1"/>
           </p:cNvSpPr>
@@ -775,18 +790,13 @@
               <a:rPr lang="en-US"/>
               <a:t>Click to edit Master title style</a:t>
             </a:r>
-          </a:p>
-        </p:txBody>
-      </p:sp>
-      <p:sp>
-        <p:nvSpPr>
-          <p:cNvPr id="3" name="Content Placeholder 2">
-            <a:extLst>
-              <a:ext uri="{FF2B5EF4-FFF2-40B4-BE49-F238E27FC236}">
-                <a16:creationId xmlns:a16="http://schemas.microsoft.com/office/drawing/2014/main" id="{66978396-6E58-407F-8CC4-9C3B93570DA5}"/>
-              </a:ext>
-            </a:extLst>
-          </p:cNvPr>
+            <a:endParaRPr lang="en-US" dirty="0"/>
+          </a:p>
+        </p:txBody>
+      </p:sp>
+      <p:sp>
+        <p:nvSpPr>
+          <p:cNvPr id="3" name="Content Placeholder 2"/>
           <p:cNvSpPr>
             <a:spLocks noGrp="1"/>
           </p:cNvSpPr>
@@ -832,18 +842,13 @@
               <a:rPr lang="en-US"/>
               <a:t>Fifth level</a:t>
             </a:r>
-          </a:p>
-        </p:txBody>
-      </p:sp>
-      <p:sp>
-        <p:nvSpPr>
-          <p:cNvPr id="4" name="Date Placeholder 3">
-            <a:extLst>
-              <a:ext uri="{FF2B5EF4-FFF2-40B4-BE49-F238E27FC236}">
-                <a16:creationId xmlns:a16="http://schemas.microsoft.com/office/drawing/2014/main" id="{61E7747C-3DBB-463D-AA47-98928CABEEAE}"/>
-              </a:ext>
-            </a:extLst>
-          </p:cNvPr>
+            <a:endParaRPr lang="en-US" dirty="0"/>
+          </a:p>
+        </p:txBody>
+      </p:sp>
+      <p:sp>
+        <p:nvSpPr>
+          <p:cNvPr id="4" name="Date Placeholder 3"/>
           <p:cNvSpPr>
             <a:spLocks noGrp="1"/>
           </p:cNvSpPr>
@@ -858,7 +863,7 @@
           <a:p>
             <a:fld id="{615BF2CF-6B1E-4295-8497-3C1A078AB40C}" type="datetimeFigureOut">
               <a:rPr lang="en-US" smtClean="0"/>
-              <a:t>24-Apr-20</a:t>
+              <a:t>26-Apr-20</a:t>
             </a:fld>
             <a:endParaRPr lang="en-US"/>
           </a:p>
@@ -866,13 +871,7 @@
       </p:sp>
       <p:sp>
         <p:nvSpPr>
-          <p:cNvPr id="5" name="Footer Placeholder 4">
-            <a:extLst>
-              <a:ext uri="{FF2B5EF4-FFF2-40B4-BE49-F238E27FC236}">
-                <a16:creationId xmlns:a16="http://schemas.microsoft.com/office/drawing/2014/main" id="{553DBEA5-C406-410A-9C9A-9B87F79EFF6B}"/>
-              </a:ext>
-            </a:extLst>
-          </p:cNvPr>
+          <p:cNvPr id="5" name="Footer Placeholder 4"/>
           <p:cNvSpPr>
             <a:spLocks noGrp="1"/>
           </p:cNvSpPr>
@@ -891,13 +890,7 @@
       </p:sp>
       <p:sp>
         <p:nvSpPr>
-          <p:cNvPr id="6" name="Slide Number Placeholder 5">
-            <a:extLst>
-              <a:ext uri="{FF2B5EF4-FFF2-40B4-BE49-F238E27FC236}">
-                <a16:creationId xmlns:a16="http://schemas.microsoft.com/office/drawing/2014/main" id="{BF74C7DF-05D6-47E1-84BD-D5353136CD1D}"/>
-              </a:ext>
-            </a:extLst>
-          </p:cNvPr>
+          <p:cNvPr id="6" name="Slide Number Placeholder 5"/>
           <p:cNvSpPr>
             <a:spLocks noGrp="1"/>
           </p:cNvSpPr>
@@ -921,7 +914,7 @@
     </p:spTree>
     <p:extLst>
       <p:ext uri="{BB962C8B-B14F-4D97-AF65-F5344CB8AC3E}">
-        <p14:creationId xmlns:p14="http://schemas.microsoft.com/office/powerpoint/2010/main" val="285475637"/>
+        <p14:creationId xmlns:p14="http://schemas.microsoft.com/office/powerpoint/2010/main" val="911544233"/>
       </p:ext>
     </p:extLst>
   </p:cSld>
@@ -950,13 +943,7 @@
       </p:grpSpPr>
       <p:sp>
         <p:nvSpPr>
-          <p:cNvPr id="2" name="Title 1">
-            <a:extLst>
-              <a:ext uri="{FF2B5EF4-FFF2-40B4-BE49-F238E27FC236}">
-                <a16:creationId xmlns:a16="http://schemas.microsoft.com/office/drawing/2014/main" id="{5D01AD2A-4F6F-407A-A89C-6F9C13FFCE07}"/>
-              </a:ext>
-            </a:extLst>
-          </p:cNvPr>
+          <p:cNvPr id="2" name="Title 1"/>
           <p:cNvSpPr>
             <a:spLocks noGrp="1"/>
           </p:cNvSpPr>
@@ -966,15 +953,20 @@
         </p:nvSpPr>
         <p:spPr>
           <a:xfrm>
-            <a:off x="831850" y="1709738"/>
-            <a:ext cx="10515600" cy="2852737"/>
+            <a:off x="1261872" y="758952"/>
+            <a:ext cx="9418320" cy="4041648"/>
           </a:xfrm>
         </p:spPr>
         <p:txBody>
-          <a:bodyPr anchor="b"/>
+          <a:bodyPr anchor="b">
+            <a:normAutofit/>
+          </a:bodyPr>
           <a:lstStyle>
             <a:lvl1pPr>
-              <a:defRPr sz="6000"/>
+              <a:lnSpc>
+                <a:spcPct val="85000"/>
+              </a:lnSpc>
+              <a:defRPr sz="7200" b="0"/>
             </a:lvl1pPr>
           </a:lstStyle>
           <a:p>
@@ -982,18 +974,13 @@
               <a:rPr lang="en-US"/>
               <a:t>Click to edit Master title style</a:t>
             </a:r>
-          </a:p>
-        </p:txBody>
-      </p:sp>
-      <p:sp>
-        <p:nvSpPr>
-          <p:cNvPr id="3" name="Text Placeholder 2">
-            <a:extLst>
-              <a:ext uri="{FF2B5EF4-FFF2-40B4-BE49-F238E27FC236}">
-                <a16:creationId xmlns:a16="http://schemas.microsoft.com/office/drawing/2014/main" id="{8C34AE90-6CED-4D62-8922-A1D51C3E3328}"/>
-              </a:ext>
-            </a:extLst>
-          </p:cNvPr>
+            <a:endParaRPr lang="en-US" dirty="0"/>
+          </a:p>
+        </p:txBody>
+      </p:sp>
+      <p:sp>
+        <p:nvSpPr>
+          <p:cNvPr id="3" name="Text Placeholder 2"/>
           <p:cNvSpPr>
             <a:spLocks noGrp="1"/>
           </p:cNvSpPr>
@@ -1003,26 +990,29 @@
         </p:nvSpPr>
         <p:spPr>
           <a:xfrm>
-            <a:off x="831850" y="4589463"/>
-            <a:ext cx="10515600" cy="1500187"/>
+            <a:off x="1261872" y="4800600"/>
+            <a:ext cx="9418320" cy="1691640"/>
           </a:xfrm>
         </p:spPr>
         <p:txBody>
-          <a:bodyPr/>
+          <a:bodyPr anchor="t">
+            <a:normAutofit/>
+          </a:bodyPr>
           <a:lstStyle>
             <a:lvl1pPr marL="0" indent="0">
               <a:buNone/>
-              <a:defRPr sz="2400">
+              <a:defRPr sz="2200">
                 <a:solidFill>
                   <a:schemeClr val="tx1">
-                    <a:tint val="75000"/>
+                    <a:lumMod val="65000"/>
+                    <a:lumOff val="35000"/>
                   </a:schemeClr>
                 </a:solidFill>
               </a:defRPr>
             </a:lvl1pPr>
             <a:lvl2pPr marL="457200" indent="0">
               <a:buNone/>
-              <a:defRPr sz="2000">
+              <a:defRPr sz="1800">
                 <a:solidFill>
                   <a:schemeClr val="tx1">
                     <a:tint val="75000"/>
@@ -1032,7 +1022,7 @@
             </a:lvl2pPr>
             <a:lvl3pPr marL="914400" indent="0">
               <a:buNone/>
-              <a:defRPr sz="1800">
+              <a:defRPr sz="1600">
                 <a:solidFill>
                   <a:schemeClr val="tx1">
                     <a:tint val="75000"/>
@@ -1042,7 +1032,7 @@
             </a:lvl3pPr>
             <a:lvl4pPr marL="1371600" indent="0">
               <a:buNone/>
-              <a:defRPr sz="1600">
+              <a:defRPr sz="1400">
                 <a:solidFill>
                   <a:schemeClr val="tx1">
                     <a:tint val="75000"/>
@@ -1052,7 +1042,7 @@
             </a:lvl4pPr>
             <a:lvl5pPr marL="1828800" indent="0">
               <a:buNone/>
-              <a:defRPr sz="1600">
+              <a:defRPr sz="1400">
                 <a:solidFill>
                   <a:schemeClr val="tx1">
                     <a:tint val="75000"/>
@@ -1062,7 +1052,7 @@
             </a:lvl5pPr>
             <a:lvl6pPr marL="2286000" indent="0">
               <a:buNone/>
-              <a:defRPr sz="1600">
+              <a:defRPr sz="1400">
                 <a:solidFill>
                   <a:schemeClr val="tx1">
                     <a:tint val="75000"/>
@@ -1072,7 +1062,7 @@
             </a:lvl6pPr>
             <a:lvl7pPr marL="2743200" indent="0">
               <a:buNone/>
-              <a:defRPr sz="1600">
+              <a:defRPr sz="1400">
                 <a:solidFill>
                   <a:schemeClr val="tx1">
                     <a:tint val="75000"/>
@@ -1082,7 +1072,7 @@
             </a:lvl7pPr>
             <a:lvl8pPr marL="3200400" indent="0">
               <a:buNone/>
-              <a:defRPr sz="1600">
+              <a:defRPr sz="1400">
                 <a:solidFill>
                   <a:schemeClr val="tx1">
                     <a:tint val="75000"/>
@@ -1092,7 +1082,7 @@
             </a:lvl8pPr>
             <a:lvl9pPr marL="3657600" indent="0">
               <a:buNone/>
-              <a:defRPr sz="1600">
+              <a:defRPr sz="1400">
                 <a:solidFill>
                   <a:schemeClr val="tx1">
                     <a:tint val="75000"/>
@@ -1112,13 +1102,7 @@
       </p:sp>
       <p:sp>
         <p:nvSpPr>
-          <p:cNvPr id="4" name="Date Placeholder 3">
-            <a:extLst>
-              <a:ext uri="{FF2B5EF4-FFF2-40B4-BE49-F238E27FC236}">
-                <a16:creationId xmlns:a16="http://schemas.microsoft.com/office/drawing/2014/main" id="{E210A692-F7D6-4217-8E4F-D75506EA64DC}"/>
-              </a:ext>
-            </a:extLst>
-          </p:cNvPr>
+          <p:cNvPr id="4" name="Date Placeholder 3"/>
           <p:cNvSpPr>
             <a:spLocks noGrp="1"/>
           </p:cNvSpPr>
@@ -1133,7 +1117,7 @@
           <a:p>
             <a:fld id="{615BF2CF-6B1E-4295-8497-3C1A078AB40C}" type="datetimeFigureOut">
               <a:rPr lang="en-US" smtClean="0"/>
-              <a:t>24-Apr-20</a:t>
+              <a:t>26-Apr-20</a:t>
             </a:fld>
             <a:endParaRPr lang="en-US"/>
           </a:p>
@@ -1141,13 +1125,7 @@
       </p:sp>
       <p:sp>
         <p:nvSpPr>
-          <p:cNvPr id="5" name="Footer Placeholder 4">
-            <a:extLst>
-              <a:ext uri="{FF2B5EF4-FFF2-40B4-BE49-F238E27FC236}">
-                <a16:creationId xmlns:a16="http://schemas.microsoft.com/office/drawing/2014/main" id="{07E3E0C8-82C5-409A-A14D-08D120CB59EC}"/>
-              </a:ext>
-            </a:extLst>
-          </p:cNvPr>
+          <p:cNvPr id="5" name="Footer Placeholder 4"/>
           <p:cNvSpPr>
             <a:spLocks noGrp="1"/>
           </p:cNvSpPr>
@@ -1166,13 +1144,7 @@
       </p:sp>
       <p:sp>
         <p:nvSpPr>
-          <p:cNvPr id="6" name="Slide Number Placeholder 5">
-            <a:extLst>
-              <a:ext uri="{FF2B5EF4-FFF2-40B4-BE49-F238E27FC236}">
-                <a16:creationId xmlns:a16="http://schemas.microsoft.com/office/drawing/2014/main" id="{BE291A30-4117-4A2C-AF1D-99A797D7A77F}"/>
-              </a:ext>
-            </a:extLst>
-          </p:cNvPr>
+          <p:cNvPr id="6" name="Slide Number Placeholder 5"/>
           <p:cNvSpPr>
             <a:spLocks noGrp="1"/>
           </p:cNvSpPr>
@@ -1193,10 +1165,48 @@
           </a:p>
         </p:txBody>
       </p:sp>
+      <p:sp>
+        <p:nvSpPr>
+          <p:cNvPr id="7" name="Rectangle 6"/>
+          <p:cNvSpPr/>
+          <p:nvPr/>
+        </p:nvSpPr>
+        <p:spPr>
+          <a:xfrm>
+            <a:off x="0" y="0"/>
+            <a:ext cx="457200" cy="6858000"/>
+          </a:xfrm>
+          <a:prstGeom prst="rect">
+            <a:avLst/>
+          </a:prstGeom>
+          <a:solidFill>
+            <a:schemeClr val="accent1"/>
+          </a:solidFill>
+          <a:ln>
+            <a:noFill/>
+          </a:ln>
+        </p:spPr>
+        <p:style>
+          <a:lnRef idx="2">
+            <a:schemeClr val="accent1">
+              <a:shade val="50000"/>
+            </a:schemeClr>
+          </a:lnRef>
+          <a:fillRef idx="1">
+            <a:schemeClr val="accent1"/>
+          </a:fillRef>
+          <a:effectRef idx="0">
+            <a:schemeClr val="accent1"/>
+          </a:effectRef>
+          <a:fontRef idx="minor">
+            <a:schemeClr val="lt1"/>
+          </a:fontRef>
+        </p:style>
+      </p:sp>
     </p:spTree>
     <p:extLst>
       <p:ext uri="{BB962C8B-B14F-4D97-AF65-F5344CB8AC3E}">
-        <p14:creationId xmlns:p14="http://schemas.microsoft.com/office/powerpoint/2010/main" val="3124605708"/>
+        <p14:creationId xmlns:p14="http://schemas.microsoft.com/office/powerpoint/2010/main" val="1207778821"/>
       </p:ext>
     </p:extLst>
   </p:cSld>
@@ -1225,13 +1235,7 @@
       </p:grpSpPr>
       <p:sp>
         <p:nvSpPr>
-          <p:cNvPr id="2" name="Title 1">
-            <a:extLst>
-              <a:ext uri="{FF2B5EF4-FFF2-40B4-BE49-F238E27FC236}">
-                <a16:creationId xmlns:a16="http://schemas.microsoft.com/office/drawing/2014/main" id="{B3CCF360-BDCA-4AB1-A438-31A730C575ED}"/>
-              </a:ext>
-            </a:extLst>
-          </p:cNvPr>
+          <p:cNvPr id="2" name="Title 1"/>
           <p:cNvSpPr>
             <a:spLocks noGrp="1"/>
           </p:cNvSpPr>
@@ -1248,18 +1252,13 @@
               <a:rPr lang="en-US"/>
               <a:t>Click to edit Master title style</a:t>
             </a:r>
-          </a:p>
-        </p:txBody>
-      </p:sp>
-      <p:sp>
-        <p:nvSpPr>
-          <p:cNvPr id="3" name="Content Placeholder 2">
-            <a:extLst>
-              <a:ext uri="{FF2B5EF4-FFF2-40B4-BE49-F238E27FC236}">
-                <a16:creationId xmlns:a16="http://schemas.microsoft.com/office/drawing/2014/main" id="{D5F389D2-B0CE-4C9C-8C14-AA4B6B84B793}"/>
-              </a:ext>
-            </a:extLst>
-          </p:cNvPr>
+            <a:endParaRPr lang="en-US" dirty="0"/>
+          </a:p>
+        </p:txBody>
+      </p:sp>
+      <p:sp>
+        <p:nvSpPr>
+          <p:cNvPr id="3" name="Content Placeholder 2"/>
           <p:cNvSpPr>
             <a:spLocks noGrp="1"/>
           </p:cNvSpPr>
@@ -1269,13 +1268,41 @@
         </p:nvSpPr>
         <p:spPr>
           <a:xfrm>
-            <a:off x="838200" y="1825625"/>
-            <a:ext cx="5181600" cy="4351338"/>
+            <a:off x="1261872" y="1828800"/>
+            <a:ext cx="4480560" cy="4351337"/>
           </a:xfrm>
         </p:spPr>
         <p:txBody>
           <a:bodyPr/>
-          <a:lstStyle/>
+          <a:lstStyle>
+            <a:lvl1pPr>
+              <a:defRPr sz="1800"/>
+            </a:lvl1pPr>
+            <a:lvl2pPr>
+              <a:defRPr sz="1600"/>
+            </a:lvl2pPr>
+            <a:lvl3pPr>
+              <a:defRPr sz="1400"/>
+            </a:lvl3pPr>
+            <a:lvl4pPr>
+              <a:defRPr sz="1400"/>
+            </a:lvl4pPr>
+            <a:lvl5pPr>
+              <a:defRPr sz="1400"/>
+            </a:lvl5pPr>
+            <a:lvl6pPr>
+              <a:defRPr sz="1400"/>
+            </a:lvl6pPr>
+            <a:lvl7pPr>
+              <a:defRPr sz="1400"/>
+            </a:lvl7pPr>
+            <a:lvl8pPr>
+              <a:defRPr sz="1400"/>
+            </a:lvl8pPr>
+            <a:lvl9pPr>
+              <a:defRPr sz="1400"/>
+            </a:lvl9pPr>
+          </a:lstStyle>
           <a:p>
             <a:pPr lvl="0"/>
             <a:r>
@@ -1310,18 +1337,13 @@
               <a:rPr lang="en-US"/>
               <a:t>Fifth level</a:t>
             </a:r>
-          </a:p>
-        </p:txBody>
-      </p:sp>
-      <p:sp>
-        <p:nvSpPr>
-          <p:cNvPr id="4" name="Content Placeholder 3">
-            <a:extLst>
-              <a:ext uri="{FF2B5EF4-FFF2-40B4-BE49-F238E27FC236}">
-                <a16:creationId xmlns:a16="http://schemas.microsoft.com/office/drawing/2014/main" id="{000133AF-7629-4E23-BF4C-D82DC74B93B4}"/>
-              </a:ext>
-            </a:extLst>
-          </p:cNvPr>
+            <a:endParaRPr lang="en-US" dirty="0"/>
+          </a:p>
+        </p:txBody>
+      </p:sp>
+      <p:sp>
+        <p:nvSpPr>
+          <p:cNvPr id="4" name="Content Placeholder 3"/>
           <p:cNvSpPr>
             <a:spLocks noGrp="1"/>
           </p:cNvSpPr>
@@ -1331,13 +1353,41 @@
         </p:nvSpPr>
         <p:spPr>
           <a:xfrm>
-            <a:off x="6172200" y="1825625"/>
-            <a:ext cx="5181600" cy="4351338"/>
+            <a:off x="6126480" y="1828800"/>
+            <a:ext cx="4480560" cy="4351337"/>
           </a:xfrm>
         </p:spPr>
         <p:txBody>
           <a:bodyPr/>
-          <a:lstStyle/>
+          <a:lstStyle>
+            <a:lvl1pPr>
+              <a:defRPr sz="1800"/>
+            </a:lvl1pPr>
+            <a:lvl2pPr>
+              <a:defRPr sz="1600"/>
+            </a:lvl2pPr>
+            <a:lvl3pPr>
+              <a:defRPr sz="1400"/>
+            </a:lvl3pPr>
+            <a:lvl4pPr>
+              <a:defRPr sz="1400"/>
+            </a:lvl4pPr>
+            <a:lvl5pPr>
+              <a:defRPr sz="1400"/>
+            </a:lvl5pPr>
+            <a:lvl6pPr>
+              <a:defRPr sz="1400"/>
+            </a:lvl6pPr>
+            <a:lvl7pPr>
+              <a:defRPr sz="1400"/>
+            </a:lvl7pPr>
+            <a:lvl8pPr>
+              <a:defRPr sz="1400"/>
+            </a:lvl8pPr>
+            <a:lvl9pPr>
+              <a:defRPr sz="1400"/>
+            </a:lvl9pPr>
+          </a:lstStyle>
           <a:p>
             <a:pPr lvl="0"/>
             <a:r>
@@ -1372,18 +1422,13 @@
               <a:rPr lang="en-US"/>
               <a:t>Fifth level</a:t>
             </a:r>
-          </a:p>
-        </p:txBody>
-      </p:sp>
-      <p:sp>
-        <p:nvSpPr>
-          <p:cNvPr id="5" name="Date Placeholder 4">
-            <a:extLst>
-              <a:ext uri="{FF2B5EF4-FFF2-40B4-BE49-F238E27FC236}">
-                <a16:creationId xmlns:a16="http://schemas.microsoft.com/office/drawing/2014/main" id="{AAC66D53-393E-413C-B91A-21B1F0DE60F1}"/>
-              </a:ext>
-            </a:extLst>
-          </p:cNvPr>
+            <a:endParaRPr lang="en-US" dirty="0"/>
+          </a:p>
+        </p:txBody>
+      </p:sp>
+      <p:sp>
+        <p:nvSpPr>
+          <p:cNvPr id="5" name="Date Placeholder 4"/>
           <p:cNvSpPr>
             <a:spLocks noGrp="1"/>
           </p:cNvSpPr>
@@ -1398,7 +1443,7 @@
           <a:p>
             <a:fld id="{615BF2CF-6B1E-4295-8497-3C1A078AB40C}" type="datetimeFigureOut">
               <a:rPr lang="en-US" smtClean="0"/>
-              <a:t>24-Apr-20</a:t>
+              <a:t>26-Apr-20</a:t>
             </a:fld>
             <a:endParaRPr lang="en-US"/>
           </a:p>
@@ -1406,13 +1451,7 @@
       </p:sp>
       <p:sp>
         <p:nvSpPr>
-          <p:cNvPr id="6" name="Footer Placeholder 5">
-            <a:extLst>
-              <a:ext uri="{FF2B5EF4-FFF2-40B4-BE49-F238E27FC236}">
-                <a16:creationId xmlns:a16="http://schemas.microsoft.com/office/drawing/2014/main" id="{77D7AA85-B5FC-4458-A19B-9995D1DDDDCC}"/>
-              </a:ext>
-            </a:extLst>
-          </p:cNvPr>
+          <p:cNvPr id="6" name="Footer Placeholder 5"/>
           <p:cNvSpPr>
             <a:spLocks noGrp="1"/>
           </p:cNvSpPr>
@@ -1431,13 +1470,7 @@
       </p:sp>
       <p:sp>
         <p:nvSpPr>
-          <p:cNvPr id="7" name="Slide Number Placeholder 6">
-            <a:extLst>
-              <a:ext uri="{FF2B5EF4-FFF2-40B4-BE49-F238E27FC236}">
-                <a16:creationId xmlns:a16="http://schemas.microsoft.com/office/drawing/2014/main" id="{26C6E882-1106-4A03-B489-9024E1EA0444}"/>
-              </a:ext>
-            </a:extLst>
-          </p:cNvPr>
+          <p:cNvPr id="7" name="Slide Number Placeholder 6"/>
           <p:cNvSpPr>
             <a:spLocks noGrp="1"/>
           </p:cNvSpPr>
@@ -1461,7 +1494,7 @@
     </p:spTree>
     <p:extLst>
       <p:ext uri="{BB962C8B-B14F-4D97-AF65-F5344CB8AC3E}">
-        <p14:creationId xmlns:p14="http://schemas.microsoft.com/office/powerpoint/2010/main" val="1686213989"/>
+        <p14:creationId xmlns:p14="http://schemas.microsoft.com/office/powerpoint/2010/main" val="178074696"/>
       </p:ext>
     </p:extLst>
   </p:cSld>
@@ -1490,65 +1523,58 @@
       </p:grpSpPr>
       <p:sp>
         <p:nvSpPr>
-          <p:cNvPr id="2" name="Title 1">
-            <a:extLst>
-              <a:ext uri="{FF2B5EF4-FFF2-40B4-BE49-F238E27FC236}">
-                <a16:creationId xmlns:a16="http://schemas.microsoft.com/office/drawing/2014/main" id="{05624BE4-9172-49B4-A520-61886B7B4BB7}"/>
-              </a:ext>
-            </a:extLst>
-          </p:cNvPr>
+          <p:cNvPr id="10" name="Title 9"/>
           <p:cNvSpPr>
             <a:spLocks noGrp="1"/>
           </p:cNvSpPr>
           <p:nvPr>
             <p:ph type="title"/>
+          </p:nvPr>
+        </p:nvSpPr>
+        <p:spPr/>
+        <p:txBody>
+          <a:bodyPr/>
+          <a:lstStyle/>
+          <a:p>
+            <a:r>
+              <a:rPr lang="en-US"/>
+              <a:t>Click to edit Master title style</a:t>
+            </a:r>
+            <a:endParaRPr lang="en-US" dirty="0"/>
+          </a:p>
+        </p:txBody>
+      </p:sp>
+      <p:sp>
+        <p:nvSpPr>
+          <p:cNvPr id="3" name="Text Placeholder 2"/>
+          <p:cNvSpPr>
+            <a:spLocks noGrp="1"/>
+          </p:cNvSpPr>
+          <p:nvPr>
+            <p:ph type="body" idx="1"/>
           </p:nvPr>
         </p:nvSpPr>
         <p:spPr>
           <a:xfrm>
-            <a:off x="839788" y="365125"/>
-            <a:ext cx="10515600" cy="1325563"/>
+            <a:off x="1261872" y="1713655"/>
+            <a:ext cx="4480560" cy="731520"/>
           </a:xfrm>
         </p:spPr>
         <p:txBody>
-          <a:bodyPr/>
-          <a:lstStyle/>
-          <a:p>
-            <a:r>
-              <a:rPr lang="en-US"/>
-              <a:t>Click to edit Master title style</a:t>
-            </a:r>
-          </a:p>
-        </p:txBody>
-      </p:sp>
-      <p:sp>
-        <p:nvSpPr>
-          <p:cNvPr id="3" name="Text Placeholder 2">
-            <a:extLst>
-              <a:ext uri="{FF2B5EF4-FFF2-40B4-BE49-F238E27FC236}">
-                <a16:creationId xmlns:a16="http://schemas.microsoft.com/office/drawing/2014/main" id="{276FEDDE-BE0B-435C-B1C7-65FE12E26F2F}"/>
-              </a:ext>
-            </a:extLst>
-          </p:cNvPr>
-          <p:cNvSpPr>
-            <a:spLocks noGrp="1"/>
-          </p:cNvSpPr>
-          <p:nvPr>
-            <p:ph type="body" idx="1"/>
-          </p:nvPr>
-        </p:nvSpPr>
-        <p:spPr>
-          <a:xfrm>
-            <a:off x="839788" y="1681163"/>
-            <a:ext cx="5157787" cy="823912"/>
-          </a:xfrm>
-        </p:spPr>
-        <p:txBody>
-          <a:bodyPr anchor="b"/>
+          <a:bodyPr anchor="b">
+            <a:normAutofit/>
+          </a:bodyPr>
           <a:lstStyle>
             <a:lvl1pPr marL="0" indent="0">
-              <a:buNone/>
-              <a:defRPr sz="2400" b="1"/>
+              <a:spcBef>
+                <a:spcPts val="0"/>
+              </a:spcBef>
+              <a:buNone/>
+              <a:defRPr sz="2000" b="0">
+                <a:solidFill>
+                  <a:schemeClr val="tx2"/>
+                </a:solidFill>
+              </a:defRPr>
             </a:lvl1pPr>
             <a:lvl2pPr marL="457200" indent="0">
               <a:buNone/>
@@ -1594,13 +1620,7 @@
       </p:sp>
       <p:sp>
         <p:nvSpPr>
-          <p:cNvPr id="4" name="Content Placeholder 3">
-            <a:extLst>
-              <a:ext uri="{FF2B5EF4-FFF2-40B4-BE49-F238E27FC236}">
-                <a16:creationId xmlns:a16="http://schemas.microsoft.com/office/drawing/2014/main" id="{BE97FB29-1F07-4E67-B1F7-B06F44098A91}"/>
-              </a:ext>
-            </a:extLst>
-          </p:cNvPr>
+          <p:cNvPr id="4" name="Content Placeholder 3"/>
           <p:cNvSpPr>
             <a:spLocks noGrp="1"/>
           </p:cNvSpPr>
@@ -1610,13 +1630,41 @@
         </p:nvSpPr>
         <p:spPr>
           <a:xfrm>
-            <a:off x="839788" y="2505075"/>
-            <a:ext cx="5157787" cy="3684588"/>
+            <a:off x="1261872" y="2507550"/>
+            <a:ext cx="4480560" cy="3664650"/>
           </a:xfrm>
         </p:spPr>
         <p:txBody>
           <a:bodyPr/>
-          <a:lstStyle/>
+          <a:lstStyle>
+            <a:lvl1pPr>
+              <a:defRPr sz="1800"/>
+            </a:lvl1pPr>
+            <a:lvl2pPr>
+              <a:defRPr sz="1600"/>
+            </a:lvl2pPr>
+            <a:lvl3pPr>
+              <a:defRPr sz="1400"/>
+            </a:lvl3pPr>
+            <a:lvl4pPr>
+              <a:defRPr sz="1400"/>
+            </a:lvl4pPr>
+            <a:lvl5pPr>
+              <a:defRPr sz="1400"/>
+            </a:lvl5pPr>
+            <a:lvl6pPr>
+              <a:defRPr sz="1400"/>
+            </a:lvl6pPr>
+            <a:lvl7pPr>
+              <a:defRPr sz="1400"/>
+            </a:lvl7pPr>
+            <a:lvl8pPr>
+              <a:defRPr sz="1400"/>
+            </a:lvl8pPr>
+            <a:lvl9pPr>
+              <a:defRPr sz="1400"/>
+            </a:lvl9pPr>
+          </a:lstStyle>
           <a:p>
             <a:pPr lvl="0"/>
             <a:r>
@@ -1651,18 +1699,13 @@
               <a:rPr lang="en-US"/>
               <a:t>Fifth level</a:t>
             </a:r>
-          </a:p>
-        </p:txBody>
-      </p:sp>
-      <p:sp>
-        <p:nvSpPr>
-          <p:cNvPr id="5" name="Text Placeholder 4">
-            <a:extLst>
-              <a:ext uri="{FF2B5EF4-FFF2-40B4-BE49-F238E27FC236}">
-                <a16:creationId xmlns:a16="http://schemas.microsoft.com/office/drawing/2014/main" id="{7E2FEA12-2B3B-4A7E-8317-3E117F2CAA1E}"/>
-              </a:ext>
-            </a:extLst>
-          </p:cNvPr>
+            <a:endParaRPr lang="en-US" dirty="0"/>
+          </a:p>
+        </p:txBody>
+      </p:sp>
+      <p:sp>
+        <p:nvSpPr>
+          <p:cNvPr id="5" name="Text Placeholder 4"/>
           <p:cNvSpPr>
             <a:spLocks noGrp="1"/>
           </p:cNvSpPr>
@@ -1672,16 +1715,31 @@
         </p:nvSpPr>
         <p:spPr>
           <a:xfrm>
-            <a:off x="6172200" y="1681163"/>
-            <a:ext cx="5183188" cy="823912"/>
+            <a:off x="6126480" y="1713655"/>
+            <a:ext cx="4480560" cy="731520"/>
           </a:xfrm>
         </p:spPr>
         <p:txBody>
-          <a:bodyPr anchor="b"/>
+          <a:bodyPr anchor="b">
+            <a:normAutofit/>
+          </a:bodyPr>
           <a:lstStyle>
             <a:lvl1pPr marL="0" indent="0">
-              <a:buNone/>
-              <a:defRPr sz="2400" b="1"/>
+              <a:lnSpc>
+                <a:spcPct val="95000"/>
+              </a:lnSpc>
+              <a:spcBef>
+                <a:spcPts val="0"/>
+              </a:spcBef>
+              <a:buNone/>
+              <a:defRPr lang="en-US" sz="2000" b="0" kern="1200" dirty="0">
+                <a:solidFill>
+                  <a:schemeClr val="tx2"/>
+                </a:solidFill>
+                <a:latin typeface="+mn-lt"/>
+                <a:ea typeface="+mn-ea"/>
+                <a:cs typeface="+mn-cs"/>
+              </a:defRPr>
             </a:lvl1pPr>
             <a:lvl2pPr marL="457200" indent="0">
               <a:buNone/>
@@ -1717,7 +1775,16 @@
             </a:lvl9pPr>
           </a:lstStyle>
           <a:p>
-            <a:pPr lvl="0"/>
+            <a:pPr marL="0" lvl="0" indent="0" algn="l" defTabSz="914400" rtl="0" eaLnBrk="1" latinLnBrk="0" hangingPunct="1">
+              <a:lnSpc>
+                <a:spcPct val="90000"/>
+              </a:lnSpc>
+              <a:spcBef>
+                <a:spcPts val="2000"/>
+              </a:spcBef>
+              <a:buFontTx/>
+              <a:buNone/>
+            </a:pPr>
             <a:r>
               <a:rPr lang="en-US"/>
               <a:t>Click to edit Master text styles</a:t>
@@ -1727,13 +1794,7 @@
       </p:sp>
       <p:sp>
         <p:nvSpPr>
-          <p:cNvPr id="6" name="Content Placeholder 5">
-            <a:extLst>
-              <a:ext uri="{FF2B5EF4-FFF2-40B4-BE49-F238E27FC236}">
-                <a16:creationId xmlns:a16="http://schemas.microsoft.com/office/drawing/2014/main" id="{7BC7E460-0B68-42D4-B616-BBA82332B155}"/>
-              </a:ext>
-            </a:extLst>
-          </p:cNvPr>
+          <p:cNvPr id="6" name="Content Placeholder 5"/>
           <p:cNvSpPr>
             <a:spLocks noGrp="1"/>
           </p:cNvSpPr>
@@ -1743,13 +1804,41 @@
         </p:nvSpPr>
         <p:spPr>
           <a:xfrm>
-            <a:off x="6172200" y="2505075"/>
-            <a:ext cx="5183188" cy="3684588"/>
+            <a:off x="6126480" y="2507550"/>
+            <a:ext cx="4480560" cy="3664650"/>
           </a:xfrm>
         </p:spPr>
         <p:txBody>
           <a:bodyPr/>
-          <a:lstStyle/>
+          <a:lstStyle>
+            <a:lvl1pPr>
+              <a:defRPr sz="1800"/>
+            </a:lvl1pPr>
+            <a:lvl2pPr>
+              <a:defRPr sz="1600"/>
+            </a:lvl2pPr>
+            <a:lvl3pPr>
+              <a:defRPr sz="1400"/>
+            </a:lvl3pPr>
+            <a:lvl4pPr>
+              <a:defRPr sz="1400"/>
+            </a:lvl4pPr>
+            <a:lvl5pPr>
+              <a:defRPr sz="1400"/>
+            </a:lvl5pPr>
+            <a:lvl6pPr>
+              <a:defRPr sz="1400"/>
+            </a:lvl6pPr>
+            <a:lvl7pPr>
+              <a:defRPr sz="1400"/>
+            </a:lvl7pPr>
+            <a:lvl8pPr>
+              <a:defRPr sz="1400"/>
+            </a:lvl8pPr>
+            <a:lvl9pPr>
+              <a:defRPr sz="1400"/>
+            </a:lvl9pPr>
+          </a:lstStyle>
           <a:p>
             <a:pPr lvl="0"/>
             <a:r>
@@ -1784,18 +1873,13 @@
               <a:rPr lang="en-US"/>
               <a:t>Fifth level</a:t>
             </a:r>
-          </a:p>
-        </p:txBody>
-      </p:sp>
-      <p:sp>
-        <p:nvSpPr>
-          <p:cNvPr id="7" name="Date Placeholder 6">
-            <a:extLst>
-              <a:ext uri="{FF2B5EF4-FFF2-40B4-BE49-F238E27FC236}">
-                <a16:creationId xmlns:a16="http://schemas.microsoft.com/office/drawing/2014/main" id="{7831086C-5753-47C3-82AA-6D2986D315C0}"/>
-              </a:ext>
-            </a:extLst>
-          </p:cNvPr>
+            <a:endParaRPr lang="en-US" dirty="0"/>
+          </a:p>
+        </p:txBody>
+      </p:sp>
+      <p:sp>
+        <p:nvSpPr>
+          <p:cNvPr id="7" name="Date Placeholder 6"/>
           <p:cNvSpPr>
             <a:spLocks noGrp="1"/>
           </p:cNvSpPr>
@@ -1810,7 +1894,7 @@
           <a:p>
             <a:fld id="{615BF2CF-6B1E-4295-8497-3C1A078AB40C}" type="datetimeFigureOut">
               <a:rPr lang="en-US" smtClean="0"/>
-              <a:t>24-Apr-20</a:t>
+              <a:t>26-Apr-20</a:t>
             </a:fld>
             <a:endParaRPr lang="en-US"/>
           </a:p>
@@ -1818,13 +1902,7 @@
       </p:sp>
       <p:sp>
         <p:nvSpPr>
-          <p:cNvPr id="8" name="Footer Placeholder 7">
-            <a:extLst>
-              <a:ext uri="{FF2B5EF4-FFF2-40B4-BE49-F238E27FC236}">
-                <a16:creationId xmlns:a16="http://schemas.microsoft.com/office/drawing/2014/main" id="{EABC2D98-AE4E-46DF-AD9B-3385F1BB077D}"/>
-              </a:ext>
-            </a:extLst>
-          </p:cNvPr>
+          <p:cNvPr id="8" name="Footer Placeholder 7"/>
           <p:cNvSpPr>
             <a:spLocks noGrp="1"/>
           </p:cNvSpPr>
@@ -1843,13 +1921,7 @@
       </p:sp>
       <p:sp>
         <p:nvSpPr>
-          <p:cNvPr id="9" name="Slide Number Placeholder 8">
-            <a:extLst>
-              <a:ext uri="{FF2B5EF4-FFF2-40B4-BE49-F238E27FC236}">
-                <a16:creationId xmlns:a16="http://schemas.microsoft.com/office/drawing/2014/main" id="{09A1C368-FC5E-4FF6-915B-344D2D78528B}"/>
-              </a:ext>
-            </a:extLst>
-          </p:cNvPr>
+          <p:cNvPr id="9" name="Slide Number Placeholder 8"/>
           <p:cNvSpPr>
             <a:spLocks noGrp="1"/>
           </p:cNvSpPr>
@@ -1873,7 +1945,7 @@
     </p:spTree>
     <p:extLst>
       <p:ext uri="{BB962C8B-B14F-4D97-AF65-F5344CB8AC3E}">
-        <p14:creationId xmlns:p14="http://schemas.microsoft.com/office/powerpoint/2010/main" val="833349236"/>
+        <p14:creationId xmlns:p14="http://schemas.microsoft.com/office/powerpoint/2010/main" val="966794498"/>
       </p:ext>
     </p:extLst>
   </p:cSld>
@@ -1902,13 +1974,7 @@
       </p:grpSpPr>
       <p:sp>
         <p:nvSpPr>
-          <p:cNvPr id="2" name="Title 1">
-            <a:extLst>
-              <a:ext uri="{FF2B5EF4-FFF2-40B4-BE49-F238E27FC236}">
-                <a16:creationId xmlns:a16="http://schemas.microsoft.com/office/drawing/2014/main" id="{40156E58-0411-4D8E-A47D-4EB7DF246B00}"/>
-              </a:ext>
-            </a:extLst>
-          </p:cNvPr>
+          <p:cNvPr id="6" name="Title 5"/>
           <p:cNvSpPr>
             <a:spLocks noGrp="1"/>
           </p:cNvSpPr>
@@ -1925,18 +1991,13 @@
               <a:rPr lang="en-US"/>
               <a:t>Click to edit Master title style</a:t>
             </a:r>
-          </a:p>
-        </p:txBody>
-      </p:sp>
-      <p:sp>
-        <p:nvSpPr>
-          <p:cNvPr id="3" name="Date Placeholder 2">
-            <a:extLst>
-              <a:ext uri="{FF2B5EF4-FFF2-40B4-BE49-F238E27FC236}">
-                <a16:creationId xmlns:a16="http://schemas.microsoft.com/office/drawing/2014/main" id="{8456FF73-0592-4306-977B-40CB822DC8BE}"/>
-              </a:ext>
-            </a:extLst>
-          </p:cNvPr>
+            <a:endParaRPr lang="en-US" dirty="0"/>
+          </a:p>
+        </p:txBody>
+      </p:sp>
+      <p:sp>
+        <p:nvSpPr>
+          <p:cNvPr id="3" name="Date Placeholder 2"/>
           <p:cNvSpPr>
             <a:spLocks noGrp="1"/>
           </p:cNvSpPr>
@@ -1951,7 +2012,7 @@
           <a:p>
             <a:fld id="{615BF2CF-6B1E-4295-8497-3C1A078AB40C}" type="datetimeFigureOut">
               <a:rPr lang="en-US" smtClean="0"/>
-              <a:t>24-Apr-20</a:t>
+              <a:t>26-Apr-20</a:t>
             </a:fld>
             <a:endParaRPr lang="en-US"/>
           </a:p>
@@ -1959,13 +2020,7 @@
       </p:sp>
       <p:sp>
         <p:nvSpPr>
-          <p:cNvPr id="4" name="Footer Placeholder 3">
-            <a:extLst>
-              <a:ext uri="{FF2B5EF4-FFF2-40B4-BE49-F238E27FC236}">
-                <a16:creationId xmlns:a16="http://schemas.microsoft.com/office/drawing/2014/main" id="{22E32B48-FA15-498B-A13A-CABDFAEB1C83}"/>
-              </a:ext>
-            </a:extLst>
-          </p:cNvPr>
+          <p:cNvPr id="4" name="Footer Placeholder 3"/>
           <p:cNvSpPr>
             <a:spLocks noGrp="1"/>
           </p:cNvSpPr>
@@ -1984,13 +2039,7 @@
       </p:sp>
       <p:sp>
         <p:nvSpPr>
-          <p:cNvPr id="5" name="Slide Number Placeholder 4">
-            <a:extLst>
-              <a:ext uri="{FF2B5EF4-FFF2-40B4-BE49-F238E27FC236}">
-                <a16:creationId xmlns:a16="http://schemas.microsoft.com/office/drawing/2014/main" id="{EBE3650A-1F8B-450C-9EAE-8008BAA26510}"/>
-              </a:ext>
-            </a:extLst>
-          </p:cNvPr>
+          <p:cNvPr id="5" name="Slide Number Placeholder 4"/>
           <p:cNvSpPr>
             <a:spLocks noGrp="1"/>
           </p:cNvSpPr>
@@ -2014,7 +2063,7 @@
     </p:spTree>
     <p:extLst>
       <p:ext uri="{BB962C8B-B14F-4D97-AF65-F5344CB8AC3E}">
-        <p14:creationId xmlns:p14="http://schemas.microsoft.com/office/powerpoint/2010/main" val="862427123"/>
+        <p14:creationId xmlns:p14="http://schemas.microsoft.com/office/powerpoint/2010/main" val="1442622087"/>
       </p:ext>
     </p:extLst>
   </p:cSld>
@@ -2043,13 +2092,7 @@
       </p:grpSpPr>
       <p:sp>
         <p:nvSpPr>
-          <p:cNvPr id="2" name="Date Placeholder 1">
-            <a:extLst>
-              <a:ext uri="{FF2B5EF4-FFF2-40B4-BE49-F238E27FC236}">
-                <a16:creationId xmlns:a16="http://schemas.microsoft.com/office/drawing/2014/main" id="{B01C9FE9-96F2-4851-A6C7-E9B712ADFF7C}"/>
-              </a:ext>
-            </a:extLst>
-          </p:cNvPr>
+          <p:cNvPr id="2" name="Date Placeholder 1"/>
           <p:cNvSpPr>
             <a:spLocks noGrp="1"/>
           </p:cNvSpPr>
@@ -2064,7 +2107,7 @@
           <a:p>
             <a:fld id="{615BF2CF-6B1E-4295-8497-3C1A078AB40C}" type="datetimeFigureOut">
               <a:rPr lang="en-US" smtClean="0"/>
-              <a:t>24-Apr-20</a:t>
+              <a:t>26-Apr-20</a:t>
             </a:fld>
             <a:endParaRPr lang="en-US"/>
           </a:p>
@@ -2072,13 +2115,7 @@
       </p:sp>
       <p:sp>
         <p:nvSpPr>
-          <p:cNvPr id="3" name="Footer Placeholder 2">
-            <a:extLst>
-              <a:ext uri="{FF2B5EF4-FFF2-40B4-BE49-F238E27FC236}">
-                <a16:creationId xmlns:a16="http://schemas.microsoft.com/office/drawing/2014/main" id="{391203E3-D859-46E3-BFB9-82204C4E805C}"/>
-              </a:ext>
-            </a:extLst>
-          </p:cNvPr>
+          <p:cNvPr id="3" name="Footer Placeholder 2"/>
           <p:cNvSpPr>
             <a:spLocks noGrp="1"/>
           </p:cNvSpPr>
@@ -2097,13 +2134,7 @@
       </p:sp>
       <p:sp>
         <p:nvSpPr>
-          <p:cNvPr id="4" name="Slide Number Placeholder 3">
-            <a:extLst>
-              <a:ext uri="{FF2B5EF4-FFF2-40B4-BE49-F238E27FC236}">
-                <a16:creationId xmlns:a16="http://schemas.microsoft.com/office/drawing/2014/main" id="{EB9C6E3E-59CA-4DDF-BF0F-BC5C8A2CD8BB}"/>
-              </a:ext>
-            </a:extLst>
-          </p:cNvPr>
+          <p:cNvPr id="4" name="Slide Number Placeholder 3"/>
           <p:cNvSpPr>
             <a:spLocks noGrp="1"/>
           </p:cNvSpPr>
@@ -2127,7 +2158,7 @@
     </p:spTree>
     <p:extLst>
       <p:ext uri="{BB962C8B-B14F-4D97-AF65-F5344CB8AC3E}">
-        <p14:creationId xmlns:p14="http://schemas.microsoft.com/office/powerpoint/2010/main" val="802724366"/>
+        <p14:creationId xmlns:p14="http://schemas.microsoft.com/office/powerpoint/2010/main" val="4176917684"/>
       </p:ext>
     </p:extLst>
   </p:cSld>
@@ -2156,13 +2187,7 @@
       </p:grpSpPr>
       <p:sp>
         <p:nvSpPr>
-          <p:cNvPr id="2" name="Title 1">
-            <a:extLst>
-              <a:ext uri="{FF2B5EF4-FFF2-40B4-BE49-F238E27FC236}">
-                <a16:creationId xmlns:a16="http://schemas.microsoft.com/office/drawing/2014/main" id="{5BE624A5-63ED-4357-8B2C-EF8CCC133B4B}"/>
-              </a:ext>
-            </a:extLst>
-          </p:cNvPr>
+          <p:cNvPr id="2" name="Title 1"/>
           <p:cNvSpPr>
             <a:spLocks noGrp="1"/>
           </p:cNvSpPr>
@@ -2172,15 +2197,17 @@
         </p:nvSpPr>
         <p:spPr>
           <a:xfrm>
-            <a:off x="839788" y="457200"/>
-            <a:ext cx="3932237" cy="1600200"/>
+            <a:off x="841248" y="457200"/>
+            <a:ext cx="3200400" cy="1600197"/>
           </a:xfrm>
         </p:spPr>
         <p:txBody>
-          <a:bodyPr anchor="b"/>
+          <a:bodyPr anchor="b">
+            <a:normAutofit/>
+          </a:bodyPr>
           <a:lstStyle>
             <a:lvl1pPr>
-              <a:defRPr sz="3200"/>
+              <a:defRPr sz="3200" b="0" baseline="0"/>
             </a:lvl1pPr>
           </a:lstStyle>
           <a:p>
@@ -2188,18 +2215,13 @@
               <a:rPr lang="en-US"/>
               <a:t>Click to edit Master title style</a:t>
             </a:r>
-          </a:p>
-        </p:txBody>
-      </p:sp>
-      <p:sp>
-        <p:nvSpPr>
-          <p:cNvPr id="3" name="Content Placeholder 2">
-            <a:extLst>
-              <a:ext uri="{FF2B5EF4-FFF2-40B4-BE49-F238E27FC236}">
-                <a16:creationId xmlns:a16="http://schemas.microsoft.com/office/drawing/2014/main" id="{A81D1031-02B2-4320-98C0-6ABC45356B70}"/>
-              </a:ext>
-            </a:extLst>
-          </p:cNvPr>
+            <a:endParaRPr lang="en-US" dirty="0"/>
+          </a:p>
+        </p:txBody>
+      </p:sp>
+      <p:sp>
+        <p:nvSpPr>
+          <p:cNvPr id="3" name="Content Placeholder 2"/>
           <p:cNvSpPr>
             <a:spLocks noGrp="1"/>
           </p:cNvSpPr>
@@ -2209,39 +2231,39 @@
         </p:nvSpPr>
         <p:spPr>
           <a:xfrm>
-            <a:off x="5183188" y="987425"/>
-            <a:ext cx="6172200" cy="4873625"/>
+            <a:off x="4504267" y="685800"/>
+            <a:ext cx="6079066" cy="5486400"/>
           </a:xfrm>
         </p:spPr>
         <p:txBody>
           <a:bodyPr/>
           <a:lstStyle>
             <a:lvl1pPr>
-              <a:defRPr sz="3200"/>
+              <a:defRPr sz="2000"/>
             </a:lvl1pPr>
             <a:lvl2pPr>
-              <a:defRPr sz="2800"/>
+              <a:defRPr sz="1800"/>
             </a:lvl2pPr>
             <a:lvl3pPr>
-              <a:defRPr sz="2400"/>
+              <a:defRPr sz="1600"/>
             </a:lvl3pPr>
             <a:lvl4pPr>
-              <a:defRPr sz="2000"/>
+              <a:defRPr sz="1400"/>
             </a:lvl4pPr>
             <a:lvl5pPr>
-              <a:defRPr sz="2000"/>
+              <a:defRPr sz="1400"/>
             </a:lvl5pPr>
             <a:lvl6pPr>
-              <a:defRPr sz="2000"/>
+              <a:defRPr sz="1400"/>
             </a:lvl6pPr>
             <a:lvl7pPr>
-              <a:defRPr sz="2000"/>
+              <a:defRPr sz="1400"/>
             </a:lvl7pPr>
             <a:lvl8pPr>
-              <a:defRPr sz="2000"/>
+              <a:defRPr sz="1400"/>
             </a:lvl8pPr>
             <a:lvl9pPr>
-              <a:defRPr sz="2000"/>
+              <a:defRPr sz="1400"/>
             </a:lvl9pPr>
           </a:lstStyle>
           <a:p>
@@ -2278,18 +2300,13 @@
               <a:rPr lang="en-US"/>
               <a:t>Fifth level</a:t>
             </a:r>
-          </a:p>
-        </p:txBody>
-      </p:sp>
-      <p:sp>
-        <p:nvSpPr>
-          <p:cNvPr id="4" name="Text Placeholder 3">
-            <a:extLst>
-              <a:ext uri="{FF2B5EF4-FFF2-40B4-BE49-F238E27FC236}">
-                <a16:creationId xmlns:a16="http://schemas.microsoft.com/office/drawing/2014/main" id="{FDD792D0-B963-43EF-8827-84D20EC79A15}"/>
-              </a:ext>
-            </a:extLst>
-          </p:cNvPr>
+            <a:endParaRPr lang="en-US" dirty="0"/>
+          </a:p>
+        </p:txBody>
+      </p:sp>
+      <p:sp>
+        <p:nvSpPr>
+          <p:cNvPr id="4" name="Text Placeholder 3"/>
           <p:cNvSpPr>
             <a:spLocks noGrp="1"/>
           </p:cNvSpPr>
@@ -2299,48 +2316,56 @@
         </p:nvSpPr>
         <p:spPr>
           <a:xfrm>
-            <a:off x="839788" y="2057400"/>
-            <a:ext cx="3932237" cy="3811588"/>
+            <a:off x="841248" y="2099734"/>
+            <a:ext cx="3200400" cy="3810001"/>
           </a:xfrm>
         </p:spPr>
         <p:txBody>
-          <a:bodyPr/>
+          <a:bodyPr>
+            <a:normAutofit/>
+          </a:bodyPr>
           <a:lstStyle>
             <a:lvl1pPr marL="0" indent="0">
-              <a:buNone/>
-              <a:defRPr sz="1600"/>
+              <a:lnSpc>
+                <a:spcPct val="114000"/>
+              </a:lnSpc>
+              <a:spcBef>
+                <a:spcPts val="800"/>
+              </a:spcBef>
+              <a:buNone/>
+              <a:defRPr sz="1300"/>
             </a:lvl1pPr>
             <a:lvl2pPr marL="457200" indent="0">
               <a:buNone/>
-              <a:defRPr sz="1400"/>
+              <a:defRPr sz="1200"/>
             </a:lvl2pPr>
             <a:lvl3pPr marL="914400" indent="0">
               <a:buNone/>
-              <a:defRPr sz="1200"/>
+              <a:defRPr sz="1000"/>
             </a:lvl3pPr>
             <a:lvl4pPr marL="1371600" indent="0">
               <a:buNone/>
-              <a:defRPr sz="1000"/>
+              <a:defRPr sz="900"/>
             </a:lvl4pPr>
             <a:lvl5pPr marL="1828800" indent="0">
               <a:buNone/>
-              <a:defRPr sz="1000"/>
+              <a:defRPr sz="900"/>
             </a:lvl5pPr>
             <a:lvl6pPr marL="2286000" indent="0">
               <a:buNone/>
-              <a:defRPr sz="1000"/>
+              <a:defRPr sz="900"/>
             </a:lvl6pPr>
             <a:lvl7pPr marL="2743200" indent="0">
               <a:buNone/>
-              <a:defRPr sz="1000"/>
+              <a:defRPr sz="900"/>
             </a:lvl7pPr>
             <a:lvl8pPr marL="3200400" indent="0">
               <a:buNone/>
-              <a:defRPr sz="1000"/>
+              <a:defRPr sz="900"/>
             </a:lvl8pPr>
             <a:lvl9pPr marL="3657600" indent="0">
               <a:buNone/>
-              <a:defRPr sz="1000"/>
+              <a:defRPr sz="900"/>
             </a:lvl9pPr>
           </a:lstStyle>
           <a:p>
@@ -2354,13 +2379,7 @@
       </p:sp>
       <p:sp>
         <p:nvSpPr>
-          <p:cNvPr id="5" name="Date Placeholder 4">
-            <a:extLst>
-              <a:ext uri="{FF2B5EF4-FFF2-40B4-BE49-F238E27FC236}">
-                <a16:creationId xmlns:a16="http://schemas.microsoft.com/office/drawing/2014/main" id="{801EF10D-B9A4-4269-BBA6-04A0BFF46DD8}"/>
-              </a:ext>
-            </a:extLst>
-          </p:cNvPr>
+          <p:cNvPr id="5" name="Date Placeholder 4"/>
           <p:cNvSpPr>
             <a:spLocks noGrp="1"/>
           </p:cNvSpPr>
@@ -2375,7 +2394,7 @@
           <a:p>
             <a:fld id="{615BF2CF-6B1E-4295-8497-3C1A078AB40C}" type="datetimeFigureOut">
               <a:rPr lang="en-US" smtClean="0"/>
-              <a:t>24-Apr-20</a:t>
+              <a:t>26-Apr-20</a:t>
             </a:fld>
             <a:endParaRPr lang="en-US"/>
           </a:p>
@@ -2383,13 +2402,7 @@
       </p:sp>
       <p:sp>
         <p:nvSpPr>
-          <p:cNvPr id="6" name="Footer Placeholder 5">
-            <a:extLst>
-              <a:ext uri="{FF2B5EF4-FFF2-40B4-BE49-F238E27FC236}">
-                <a16:creationId xmlns:a16="http://schemas.microsoft.com/office/drawing/2014/main" id="{56B665EF-5C19-4874-9956-6C928A6BDE78}"/>
-              </a:ext>
-            </a:extLst>
-          </p:cNvPr>
+          <p:cNvPr id="6" name="Footer Placeholder 5"/>
           <p:cNvSpPr>
             <a:spLocks noGrp="1"/>
           </p:cNvSpPr>
@@ -2408,13 +2421,7 @@
       </p:sp>
       <p:sp>
         <p:nvSpPr>
-          <p:cNvPr id="7" name="Slide Number Placeholder 6">
-            <a:extLst>
-              <a:ext uri="{FF2B5EF4-FFF2-40B4-BE49-F238E27FC236}">
-                <a16:creationId xmlns:a16="http://schemas.microsoft.com/office/drawing/2014/main" id="{73F4483D-8B20-44F5-A55F-F545D1022844}"/>
-              </a:ext>
-            </a:extLst>
-          </p:cNvPr>
+          <p:cNvPr id="7" name="Slide Number Placeholder 6"/>
           <p:cNvSpPr>
             <a:spLocks noGrp="1"/>
           </p:cNvSpPr>
@@ -2438,7 +2445,7 @@
     </p:spTree>
     <p:extLst>
       <p:ext uri="{BB962C8B-B14F-4D97-AF65-F5344CB8AC3E}">
-        <p14:creationId xmlns:p14="http://schemas.microsoft.com/office/powerpoint/2010/main" val="965977888"/>
+        <p14:creationId xmlns:p14="http://schemas.microsoft.com/office/powerpoint/2010/main" val="3110427928"/>
       </p:ext>
     </p:extLst>
   </p:cSld>
@@ -2467,31 +2474,69 @@
       </p:grpSpPr>
       <p:sp>
         <p:nvSpPr>
-          <p:cNvPr id="2" name="Title 1">
-            <a:extLst>
-              <a:ext uri="{FF2B5EF4-FFF2-40B4-BE49-F238E27FC236}">
-                <a16:creationId xmlns:a16="http://schemas.microsoft.com/office/drawing/2014/main" id="{5EB0F339-55CB-44EB-B9F1-237C593A2B43}"/>
-              </a:ext>
-            </a:extLst>
-          </p:cNvPr>
-          <p:cNvSpPr>
-            <a:spLocks noGrp="1"/>
-          </p:cNvSpPr>
-          <p:nvPr>
-            <p:ph type="title"/>
-          </p:nvPr>
+          <p:cNvPr id="8" name="Rectangle 7"/>
+          <p:cNvSpPr/>
+          <p:nvPr/>
         </p:nvSpPr>
         <p:spPr>
           <a:xfrm>
-            <a:off x="839788" y="457200"/>
-            <a:ext cx="3932237" cy="1600200"/>
+            <a:off x="0" y="5105400"/>
+            <a:ext cx="11292840" cy="1752600"/>
+          </a:xfrm>
+          <a:prstGeom prst="rect">
+            <a:avLst/>
+          </a:prstGeom>
+          <a:solidFill>
+            <a:srgbClr val="000000"/>
+          </a:solidFill>
+          <a:ln>
+            <a:noFill/>
+          </a:ln>
+        </p:spPr>
+        <p:style>
+          <a:lnRef idx="2">
+            <a:schemeClr val="accent1">
+              <a:shade val="50000"/>
+            </a:schemeClr>
+          </a:lnRef>
+          <a:fillRef idx="1">
+            <a:schemeClr val="accent1"/>
+          </a:fillRef>
+          <a:effectRef idx="0">
+            <a:schemeClr val="accent1"/>
+          </a:effectRef>
+          <a:fontRef idx="minor">
+            <a:schemeClr val="lt1"/>
+          </a:fontRef>
+        </p:style>
+      </p:sp>
+      <p:sp>
+        <p:nvSpPr>
+          <p:cNvPr id="2" name="Title 1"/>
+          <p:cNvSpPr>
+            <a:spLocks noGrp="1"/>
+          </p:cNvSpPr>
+          <p:nvPr>
+            <p:ph type="title"/>
+          </p:nvPr>
+        </p:nvSpPr>
+        <p:spPr>
+          <a:xfrm>
+            <a:off x="914400" y="5257800"/>
+            <a:ext cx="9982200" cy="914400"/>
           </a:xfrm>
         </p:spPr>
         <p:txBody>
-          <a:bodyPr anchor="b"/>
+          <a:bodyPr anchor="b">
+            <a:normAutofit/>
+          </a:bodyPr>
           <a:lstStyle>
             <a:lvl1pPr>
-              <a:defRPr sz="3200"/>
+              <a:defRPr sz="2800" b="0">
+                <a:solidFill>
+                  <a:schemeClr val="bg1"/>
+                </a:solidFill>
+              </a:defRPr>
             </a:lvl1pPr>
           </a:lstStyle>
           <a:p>
@@ -2499,20 +2544,15 @@
               <a:rPr lang="en-US"/>
               <a:t>Click to edit Master title style</a:t>
             </a:r>
-          </a:p>
-        </p:txBody>
-      </p:sp>
-      <p:sp>
-        <p:nvSpPr>
-          <p:cNvPr id="3" name="Picture Placeholder 2">
-            <a:extLst>
-              <a:ext uri="{FF2B5EF4-FFF2-40B4-BE49-F238E27FC236}">
-                <a16:creationId xmlns:a16="http://schemas.microsoft.com/office/drawing/2014/main" id="{8F14B8EA-D521-4823-8FF6-C123B73539FC}"/>
-              </a:ext>
-            </a:extLst>
-          </p:cNvPr>
-          <p:cNvSpPr>
-            <a:spLocks noGrp="1"/>
+            <a:endParaRPr lang="en-US" dirty="0"/>
+          </a:p>
+        </p:txBody>
+      </p:sp>
+      <p:sp>
+        <p:nvSpPr>
+          <p:cNvPr id="3" name="Picture Placeholder 2"/>
+          <p:cNvSpPr>
+            <a:spLocks noGrp="1" noChangeAspect="1"/>
           </p:cNvSpPr>
           <p:nvPr>
             <p:ph type="pic" idx="1"/>
@@ -2520,16 +2560,23 @@
         </p:nvSpPr>
         <p:spPr>
           <a:xfrm>
-            <a:off x="5183188" y="987425"/>
-            <a:ext cx="6172200" cy="4873625"/>
+            <a:off x="0" y="0"/>
+            <a:ext cx="11292840" cy="5128923"/>
           </a:xfrm>
+          <a:solidFill>
+            <a:schemeClr val="accent1"/>
+          </a:solidFill>
         </p:spPr>
         <p:txBody>
-          <a:bodyPr/>
+          <a:bodyPr anchor="t"/>
           <a:lstStyle>
             <a:lvl1pPr marL="0" indent="0">
               <a:buNone/>
-              <a:defRPr sz="3200"/>
+              <a:defRPr sz="3200">
+                <a:solidFill>
+                  <a:schemeClr val="bg1"/>
+                </a:solidFill>
+              </a:defRPr>
             </a:lvl1pPr>
             <a:lvl2pPr marL="457200" indent="0">
               <a:buNone/>
@@ -2565,19 +2612,17 @@
             </a:lvl9pPr>
           </a:lstStyle>
           <a:p>
-            <a:endParaRPr lang="en-US"/>
-          </a:p>
-        </p:txBody>
-      </p:sp>
-      <p:sp>
-        <p:nvSpPr>
-          <p:cNvPr id="4" name="Text Placeholder 3">
-            <a:extLst>
-              <a:ext uri="{FF2B5EF4-FFF2-40B4-BE49-F238E27FC236}">
-                <a16:creationId xmlns:a16="http://schemas.microsoft.com/office/drawing/2014/main" id="{E5E96BD1-E8C5-414A-8432-058CBDD0D028}"/>
-              </a:ext>
-            </a:extLst>
-          </p:cNvPr>
+            <a:r>
+              <a:rPr lang="en-US"/>
+              <a:t>Click icon to add picture</a:t>
+            </a:r>
+            <a:endParaRPr lang="en-US" dirty="0"/>
+          </a:p>
+        </p:txBody>
+      </p:sp>
+      <p:sp>
+        <p:nvSpPr>
+          <p:cNvPr id="4" name="Text Placeholder 3"/>
           <p:cNvSpPr>
             <a:spLocks noGrp="1"/>
           </p:cNvSpPr>
@@ -2587,48 +2632,62 @@
         </p:nvSpPr>
         <p:spPr>
           <a:xfrm>
-            <a:off x="839788" y="2057400"/>
-            <a:ext cx="3932237" cy="3811588"/>
+            <a:off x="914400" y="6108589"/>
+            <a:ext cx="9982200" cy="597011"/>
           </a:xfrm>
         </p:spPr>
         <p:txBody>
-          <a:bodyPr/>
+          <a:bodyPr>
+            <a:normAutofit/>
+          </a:bodyPr>
           <a:lstStyle>
             <a:lvl1pPr marL="0" indent="0">
-              <a:buNone/>
-              <a:defRPr sz="1600"/>
+              <a:lnSpc>
+                <a:spcPct val="100000"/>
+              </a:lnSpc>
+              <a:spcBef>
+                <a:spcPts val="800"/>
+              </a:spcBef>
+              <a:buNone/>
+              <a:defRPr sz="1300">
+                <a:solidFill>
+                  <a:schemeClr val="bg1">
+                    <a:lumMod val="85000"/>
+                  </a:schemeClr>
+                </a:solidFill>
+              </a:defRPr>
             </a:lvl1pPr>
             <a:lvl2pPr marL="457200" indent="0">
               <a:buNone/>
-              <a:defRPr sz="1400"/>
+              <a:defRPr sz="1200"/>
             </a:lvl2pPr>
             <a:lvl3pPr marL="914400" indent="0">
               <a:buNone/>
-              <a:defRPr sz="1200"/>
+              <a:defRPr sz="1000"/>
             </a:lvl3pPr>
             <a:lvl4pPr marL="1371600" indent="0">
               <a:buNone/>
-              <a:defRPr sz="1000"/>
+              <a:defRPr sz="900"/>
             </a:lvl4pPr>
             <a:lvl5pPr marL="1828800" indent="0">
               <a:buNone/>
-              <a:defRPr sz="1000"/>
+              <a:defRPr sz="900"/>
             </a:lvl5pPr>
             <a:lvl6pPr marL="2286000" indent="0">
               <a:buNone/>
-              <a:defRPr sz="1000"/>
+              <a:defRPr sz="900"/>
             </a:lvl6pPr>
             <a:lvl7pPr marL="2743200" indent="0">
               <a:buNone/>
-              <a:defRPr sz="1000"/>
+              <a:defRPr sz="900"/>
             </a:lvl7pPr>
             <a:lvl8pPr marL="3200400" indent="0">
               <a:buNone/>
-              <a:defRPr sz="1000"/>
+              <a:defRPr sz="900"/>
             </a:lvl8pPr>
             <a:lvl9pPr marL="3657600" indent="0">
               <a:buNone/>
-              <a:defRPr sz="1000"/>
+              <a:defRPr sz="900"/>
             </a:lvl9pPr>
           </a:lstStyle>
           <a:p>
@@ -2642,13 +2701,7 @@
       </p:sp>
       <p:sp>
         <p:nvSpPr>
-          <p:cNvPr id="5" name="Date Placeholder 4">
-            <a:extLst>
-              <a:ext uri="{FF2B5EF4-FFF2-40B4-BE49-F238E27FC236}">
-                <a16:creationId xmlns:a16="http://schemas.microsoft.com/office/drawing/2014/main" id="{4A66EF3D-C4CE-4FA8-88E5-1E149C0E96FA}"/>
-              </a:ext>
-            </a:extLst>
-          </p:cNvPr>
+          <p:cNvPr id="5" name="Date Placeholder 4"/>
           <p:cNvSpPr>
             <a:spLocks noGrp="1"/>
           </p:cNvSpPr>
@@ -2663,7 +2716,7 @@
           <a:p>
             <a:fld id="{615BF2CF-6B1E-4295-8497-3C1A078AB40C}" type="datetimeFigureOut">
               <a:rPr lang="en-US" smtClean="0"/>
-              <a:t>24-Apr-20</a:t>
+              <a:t>26-Apr-20</a:t>
             </a:fld>
             <a:endParaRPr lang="en-US"/>
           </a:p>
@@ -2671,13 +2724,7 @@
       </p:sp>
       <p:sp>
         <p:nvSpPr>
-          <p:cNvPr id="6" name="Footer Placeholder 5">
-            <a:extLst>
-              <a:ext uri="{FF2B5EF4-FFF2-40B4-BE49-F238E27FC236}">
-                <a16:creationId xmlns:a16="http://schemas.microsoft.com/office/drawing/2014/main" id="{6EFF05DA-D4FA-4B6B-B51D-97BB6AD54DBC}"/>
-              </a:ext>
-            </a:extLst>
-          </p:cNvPr>
+          <p:cNvPr id="6" name="Footer Placeholder 5"/>
           <p:cNvSpPr>
             <a:spLocks noGrp="1"/>
           </p:cNvSpPr>
@@ -2690,19 +2737,13 @@
           <a:bodyPr/>
           <a:lstStyle/>
           <a:p>
-            <a:endParaRPr lang="en-US"/>
-          </a:p>
-        </p:txBody>
-      </p:sp>
-      <p:sp>
-        <p:nvSpPr>
-          <p:cNvPr id="7" name="Slide Number Placeholder 6">
-            <a:extLst>
-              <a:ext uri="{FF2B5EF4-FFF2-40B4-BE49-F238E27FC236}">
-                <a16:creationId xmlns:a16="http://schemas.microsoft.com/office/drawing/2014/main" id="{7B118AA5-41B1-48C0-91C5-D900FEE4356B}"/>
-              </a:ext>
-            </a:extLst>
-          </p:cNvPr>
+            <a:endParaRPr lang="en-US" dirty="0"/>
+          </a:p>
+        </p:txBody>
+      </p:sp>
+      <p:sp>
+        <p:nvSpPr>
+          <p:cNvPr id="7" name="Slide Number Placeholder 6"/>
           <p:cNvSpPr>
             <a:spLocks noGrp="1"/>
           </p:cNvSpPr>
@@ -2726,7 +2767,7 @@
     </p:spTree>
     <p:extLst>
       <p:ext uri="{BB962C8B-B14F-4D97-AF65-F5344CB8AC3E}">
-        <p14:creationId xmlns:p14="http://schemas.microsoft.com/office/powerpoint/2010/main" val="822290625"/>
+        <p14:creationId xmlns:p14="http://schemas.microsoft.com/office/powerpoint/2010/main" val="3393850886"/>
       </p:ext>
     </p:extLst>
   </p:cSld>
@@ -2760,31 +2801,65 @@
       </p:grpSpPr>
       <p:sp>
         <p:nvSpPr>
-          <p:cNvPr id="2" name="Title Placeholder 1">
-            <a:extLst>
-              <a:ext uri="{FF2B5EF4-FFF2-40B4-BE49-F238E27FC236}">
-                <a16:creationId xmlns:a16="http://schemas.microsoft.com/office/drawing/2014/main" id="{41E8329B-4413-4FF1-BC75-F5BC27A44B5A}"/>
-              </a:ext>
-            </a:extLst>
-          </p:cNvPr>
-          <p:cNvSpPr>
-            <a:spLocks noGrp="1"/>
-          </p:cNvSpPr>
-          <p:nvPr>
-            <p:ph type="title"/>
-          </p:nvPr>
+          <p:cNvPr id="7" name="Rectangle 6"/>
+          <p:cNvSpPr/>
+          <p:nvPr/>
         </p:nvSpPr>
         <p:spPr>
           <a:xfrm>
-            <a:off x="838200" y="365125"/>
-            <a:ext cx="10515600" cy="1325563"/>
+            <a:off x="11292840" y="0"/>
+            <a:ext cx="914400" cy="6858000"/>
+          </a:xfrm>
+          <a:prstGeom prst="rect">
+            <a:avLst/>
+          </a:prstGeom>
+          <a:solidFill>
+            <a:schemeClr val="tx2">
+              <a:lumMod val="75000"/>
+            </a:schemeClr>
+          </a:solidFill>
+          <a:ln>
+            <a:noFill/>
+          </a:ln>
+        </p:spPr>
+        <p:style>
+          <a:lnRef idx="2">
+            <a:schemeClr val="accent1">
+              <a:shade val="50000"/>
+            </a:schemeClr>
+          </a:lnRef>
+          <a:fillRef idx="1">
+            <a:schemeClr val="accent1"/>
+          </a:fillRef>
+          <a:effectRef idx="0">
+            <a:schemeClr val="accent1"/>
+          </a:effectRef>
+          <a:fontRef idx="minor">
+            <a:schemeClr val="lt1"/>
+          </a:fontRef>
+        </p:style>
+      </p:sp>
+      <p:sp>
+        <p:nvSpPr>
+          <p:cNvPr id="2" name="Title Placeholder 1"/>
+          <p:cNvSpPr>
+            <a:spLocks noGrp="1"/>
+          </p:cNvSpPr>
+          <p:nvPr>
+            <p:ph type="title"/>
+          </p:nvPr>
+        </p:nvSpPr>
+        <p:spPr>
+          <a:xfrm>
+            <a:off x="1261872" y="365760"/>
+            <a:ext cx="9692640" cy="1325562"/>
           </a:xfrm>
           <a:prstGeom prst="rect">
             <a:avLst/>
           </a:prstGeom>
         </p:spPr>
         <p:txBody>
-          <a:bodyPr vert="horz" lIns="91440" tIns="45720" rIns="91440" bIns="45720" rtlCol="0" anchor="ctr">
+          <a:bodyPr vert="horz" lIns="91440" tIns="45720" rIns="91440" bIns="45720" rtlCol="0" anchor="b">
             <a:normAutofit/>
           </a:bodyPr>
           <a:lstStyle/>
@@ -2793,18 +2868,13 @@
               <a:rPr lang="en-US"/>
               <a:t>Click to edit Master title style</a:t>
             </a:r>
-          </a:p>
-        </p:txBody>
-      </p:sp>
-      <p:sp>
-        <p:nvSpPr>
-          <p:cNvPr id="3" name="Text Placeholder 2">
-            <a:extLst>
-              <a:ext uri="{FF2B5EF4-FFF2-40B4-BE49-F238E27FC236}">
-                <a16:creationId xmlns:a16="http://schemas.microsoft.com/office/drawing/2014/main" id="{0523BF13-EF84-4BAC-9ABC-18E99B6CE67A}"/>
-              </a:ext>
-            </a:extLst>
-          </p:cNvPr>
+            <a:endParaRPr lang="en-US" dirty="0"/>
+          </a:p>
+        </p:txBody>
+      </p:sp>
+      <p:sp>
+        <p:nvSpPr>
+          <p:cNvPr id="3" name="Text Placeholder 2"/>
           <p:cNvSpPr>
             <a:spLocks noGrp="1"/>
           </p:cNvSpPr>
@@ -2814,8 +2884,8 @@
         </p:nvSpPr>
         <p:spPr>
           <a:xfrm>
-            <a:off x="838200" y="1825625"/>
-            <a:ext cx="10515600" cy="4351338"/>
+            <a:off x="1261872" y="1828800"/>
+            <a:ext cx="8595360" cy="4351337"/>
           </a:xfrm>
           <a:prstGeom prst="rect">
             <a:avLst/>
@@ -2860,18 +2930,13 @@
               <a:rPr lang="en-US"/>
               <a:t>Fifth level</a:t>
             </a:r>
-          </a:p>
-        </p:txBody>
-      </p:sp>
-      <p:sp>
-        <p:nvSpPr>
-          <p:cNvPr id="4" name="Date Placeholder 3">
-            <a:extLst>
-              <a:ext uri="{FF2B5EF4-FFF2-40B4-BE49-F238E27FC236}">
-                <a16:creationId xmlns:a16="http://schemas.microsoft.com/office/drawing/2014/main" id="{75E64BDD-1D15-4F8D-931C-0B9FE22B689F}"/>
-              </a:ext>
-            </a:extLst>
-          </p:cNvPr>
+            <a:endParaRPr lang="en-US" dirty="0"/>
+          </a:p>
+        </p:txBody>
+      </p:sp>
+      <p:sp>
+        <p:nvSpPr>
+          <p:cNvPr id="4" name="Date Placeholder 3"/>
           <p:cNvSpPr>
             <a:spLocks noGrp="1"/>
           </p:cNvSpPr>
@@ -2880,9 +2945,9 @@
           </p:nvPr>
         </p:nvSpPr>
         <p:spPr>
-          <a:xfrm>
-            <a:off x="838200" y="6356350"/>
-            <a:ext cx="2743200" cy="365125"/>
+          <a:xfrm rot="16200000">
+            <a:off x="10797542" y="998537"/>
+            <a:ext cx="1904999" cy="365125"/>
           </a:xfrm>
           <a:prstGeom prst="rect">
             <a:avLst/>
@@ -2891,11 +2956,12 @@
         <p:txBody>
           <a:bodyPr vert="horz" lIns="91440" tIns="45720" rIns="91440" bIns="45720" rtlCol="0" anchor="ctr"/>
           <a:lstStyle>
-            <a:lvl1pPr algn="l">
-              <a:defRPr sz="1200">
+            <a:lvl1pPr algn="r">
+              <a:defRPr sz="1050" b="0">
                 <a:solidFill>
-                  <a:schemeClr val="tx1">
-                    <a:tint val="75000"/>
+                  <a:schemeClr val="tx2">
+                    <a:lumMod val="20000"/>
+                    <a:lumOff val="80000"/>
                   </a:schemeClr>
                 </a:solidFill>
               </a:defRPr>
@@ -2904,7 +2970,7 @@
           <a:p>
             <a:fld id="{615BF2CF-6B1E-4295-8497-3C1A078AB40C}" type="datetimeFigureOut">
               <a:rPr lang="en-US" smtClean="0"/>
-              <a:t>24-Apr-20</a:t>
+              <a:t>26-Apr-20</a:t>
             </a:fld>
             <a:endParaRPr lang="en-US"/>
           </a:p>
@@ -2912,13 +2978,7 @@
       </p:sp>
       <p:sp>
         <p:nvSpPr>
-          <p:cNvPr id="5" name="Footer Placeholder 4">
-            <a:extLst>
-              <a:ext uri="{FF2B5EF4-FFF2-40B4-BE49-F238E27FC236}">
-                <a16:creationId xmlns:a16="http://schemas.microsoft.com/office/drawing/2014/main" id="{71B19FAB-B6FF-40C7-8D0C-CC4E9F46EDD0}"/>
-              </a:ext>
-            </a:extLst>
-          </p:cNvPr>
+          <p:cNvPr id="5" name="Footer Placeholder 4"/>
           <p:cNvSpPr>
             <a:spLocks noGrp="1"/>
           </p:cNvSpPr>
@@ -2927,9 +2987,9 @@
           </p:nvPr>
         </p:nvSpPr>
         <p:spPr>
-          <a:xfrm>
-            <a:off x="4038600" y="6356350"/>
-            <a:ext cx="4114800" cy="365125"/>
+          <a:xfrm rot="16200000">
+            <a:off x="9959341" y="4046537"/>
+            <a:ext cx="3581400" cy="365125"/>
           </a:xfrm>
           <a:prstGeom prst="rect">
             <a:avLst/>
@@ -2938,11 +2998,12 @@
         <p:txBody>
           <a:bodyPr vert="horz" lIns="91440" tIns="45720" rIns="91440" bIns="45720" rtlCol="0" anchor="ctr"/>
           <a:lstStyle>
-            <a:lvl1pPr algn="ctr">
-              <a:defRPr sz="1200">
+            <a:lvl1pPr algn="l">
+              <a:defRPr sz="1050">
                 <a:solidFill>
-                  <a:schemeClr val="tx1">
-                    <a:tint val="75000"/>
+                  <a:schemeClr val="tx2">
+                    <a:lumMod val="20000"/>
+                    <a:lumOff val="80000"/>
                   </a:schemeClr>
                 </a:solidFill>
               </a:defRPr>
@@ -2955,13 +3016,7 @@
       </p:sp>
       <p:sp>
         <p:nvSpPr>
-          <p:cNvPr id="6" name="Slide Number Placeholder 5">
-            <a:extLst>
-              <a:ext uri="{FF2B5EF4-FFF2-40B4-BE49-F238E27FC236}">
-                <a16:creationId xmlns:a16="http://schemas.microsoft.com/office/drawing/2014/main" id="{54C94440-2E96-4463-9899-73CF29C9F70A}"/>
-              </a:ext>
-            </a:extLst>
-          </p:cNvPr>
+          <p:cNvPr id="6" name="Slide Number Placeholder 5"/>
           <p:cNvSpPr>
             <a:spLocks noGrp="1"/>
           </p:cNvSpPr>
@@ -2971,21 +3026,24 @@
         </p:nvSpPr>
         <p:spPr>
           <a:xfrm>
-            <a:off x="8610600" y="6356350"/>
-            <a:ext cx="2743200" cy="365125"/>
+            <a:off x="11292840" y="6172200"/>
+            <a:ext cx="914400" cy="593725"/>
           </a:xfrm>
           <a:prstGeom prst="rect">
             <a:avLst/>
           </a:prstGeom>
         </p:spPr>
         <p:txBody>
-          <a:bodyPr vert="horz" lIns="91440" tIns="45720" rIns="91440" bIns="45720" rtlCol="0" anchor="ctr"/>
+          <a:bodyPr vert="horz" lIns="45720" tIns="45720" rIns="45720" bIns="45720" rtlCol="0" anchor="ctr">
+            <a:normAutofit/>
+          </a:bodyPr>
           <a:lstStyle>
-            <a:lvl1pPr algn="r">
-              <a:defRPr sz="1200">
+            <a:lvl1pPr algn="ctr">
+              <a:defRPr sz="3600">
                 <a:solidFill>
-                  <a:schemeClr val="tx1">
-                    <a:tint val="75000"/>
+                  <a:schemeClr val="tx2">
+                    <a:lumMod val="60000"/>
+                    <a:lumOff val="40000"/>
                   </a:schemeClr>
                 </a:solidFill>
               </a:defRPr>
@@ -3003,23 +3061,23 @@
     </p:spTree>
     <p:extLst>
       <p:ext uri="{BB962C8B-B14F-4D97-AF65-F5344CB8AC3E}">
-        <p14:creationId xmlns:p14="http://schemas.microsoft.com/office/powerpoint/2010/main" val="19346870"/>
+        <p14:creationId xmlns:p14="http://schemas.microsoft.com/office/powerpoint/2010/main" val="2763113912"/>
       </p:ext>
     </p:extLst>
   </p:cSld>
   <p:clrMap bg1="lt1" tx1="dk1" bg2="lt2" tx2="dk2" accent1="accent1" accent2="accent2" accent3="accent3" accent4="accent4" accent5="accent5" accent6="accent6" hlink="hlink" folHlink="folHlink"/>
   <p:sldLayoutIdLst>
-    <p:sldLayoutId id="2147483649" r:id="rId1"/>
-    <p:sldLayoutId id="2147483650" r:id="rId2"/>
-    <p:sldLayoutId id="2147483651" r:id="rId3"/>
-    <p:sldLayoutId id="2147483652" r:id="rId4"/>
-    <p:sldLayoutId id="2147483653" r:id="rId5"/>
-    <p:sldLayoutId id="2147483654" r:id="rId6"/>
-    <p:sldLayoutId id="2147483655" r:id="rId7"/>
-    <p:sldLayoutId id="2147483656" r:id="rId8"/>
-    <p:sldLayoutId id="2147483657" r:id="rId9"/>
-    <p:sldLayoutId id="2147483658" r:id="rId10"/>
-    <p:sldLayoutId id="2147483659" r:id="rId11"/>
+    <p:sldLayoutId id="2147484197" r:id="rId1"/>
+    <p:sldLayoutId id="2147484198" r:id="rId2"/>
+    <p:sldLayoutId id="2147484199" r:id="rId3"/>
+    <p:sldLayoutId id="2147484200" r:id="rId4"/>
+    <p:sldLayoutId id="2147484201" r:id="rId5"/>
+    <p:sldLayoutId id="2147484202" r:id="rId6"/>
+    <p:sldLayoutId id="2147484203" r:id="rId7"/>
+    <p:sldLayoutId id="2147484204" r:id="rId8"/>
+    <p:sldLayoutId id="2147484205" r:id="rId9"/>
+    <p:sldLayoutId id="2147484206" r:id="rId10"/>
+    <p:sldLayoutId id="2147484207" r:id="rId11"/>
   </p:sldLayoutIdLst>
   <p:txStyles>
     <p:titleStyle>
@@ -3031,7 +3089,7 @@
           <a:spcPct val="0"/>
         </a:spcBef>
         <a:buNone/>
-        <a:defRPr sz="4400" kern="1200">
+        <a:defRPr sz="4400" kern="1200" spc="-50" baseline="0">
           <a:solidFill>
             <a:schemeClr val="tx1"/>
           </a:solidFill>
@@ -3042,16 +3100,23 @@
       </a:lvl1pPr>
     </p:titleStyle>
     <p:bodyStyle>
-      <a:lvl1pPr marL="228600" indent="-228600" algn="l" defTabSz="914400" rtl="0" eaLnBrk="1" latinLnBrk="0" hangingPunct="1">
+      <a:lvl1pPr marL="182880" indent="-182880" algn="l" defTabSz="914400" rtl="0" eaLnBrk="1" latinLnBrk="0" hangingPunct="1">
         <a:lnSpc>
-          <a:spcPct val="90000"/>
+          <a:spcPct val="95000"/>
         </a:lnSpc>
         <a:spcBef>
-          <a:spcPts val="1000"/>
+          <a:spcPts val="1400"/>
         </a:spcBef>
-        <a:buFont typeface="Arial" panose="020B0604020202020204" pitchFamily="34" charset="0"/>
+        <a:spcAft>
+          <a:spcPts val="200"/>
+        </a:spcAft>
+        <a:buClr>
+          <a:schemeClr val="accent1"/>
+        </a:buClr>
+        <a:buSzPct val="80000"/>
+        <a:buFont typeface="Arial" pitchFamily="34" charset="0"/>
         <a:buChar char="•"/>
-        <a:defRPr sz="2800" kern="1200">
+        <a:defRPr sz="1800" kern="1200" spc="10" baseline="0">
           <a:solidFill>
             <a:schemeClr val="tx1"/>
           </a:solidFill>
@@ -3060,144 +3125,216 @@
           <a:cs typeface="+mn-cs"/>
         </a:defRPr>
       </a:lvl1pPr>
-      <a:lvl2pPr marL="685800" indent="-228600" algn="l" defTabSz="914400" rtl="0" eaLnBrk="1" latinLnBrk="0" hangingPunct="1">
+      <a:lvl2pPr marL="457200" indent="-182880" algn="l" defTabSz="914400" rtl="0" eaLnBrk="1" latinLnBrk="0" hangingPunct="1">
         <a:lnSpc>
           <a:spcPct val="90000"/>
         </a:lnSpc>
         <a:spcBef>
-          <a:spcPts val="500"/>
+          <a:spcPts val="300"/>
         </a:spcBef>
-        <a:buFont typeface="Arial" panose="020B0604020202020204" pitchFamily="34" charset="0"/>
-        <a:buChar char="•"/>
-        <a:defRPr sz="2400" kern="1200">
+        <a:spcAft>
+          <a:spcPts val="300"/>
+        </a:spcAft>
+        <a:buClr>
+          <a:schemeClr val="accent1"/>
+        </a:buClr>
+        <a:buFont typeface="Wingdings 2" pitchFamily="18" charset="2"/>
+        <a:buChar char=""/>
+        <a:defRPr sz="1600" kern="1200">
           <a:solidFill>
-            <a:schemeClr val="tx1"/>
+            <a:schemeClr val="tx1">
+              <a:lumMod val="85000"/>
+              <a:lumOff val="15000"/>
+            </a:schemeClr>
           </a:solidFill>
           <a:latin typeface="+mn-lt"/>
           <a:ea typeface="+mn-ea"/>
           <a:cs typeface="+mn-cs"/>
         </a:defRPr>
       </a:lvl2pPr>
-      <a:lvl3pPr marL="1143000" indent="-228600" algn="l" defTabSz="914400" rtl="0" eaLnBrk="1" latinLnBrk="0" hangingPunct="1">
+      <a:lvl3pPr marL="731520" indent="-182880" algn="l" defTabSz="914400" rtl="0" eaLnBrk="1" latinLnBrk="0" hangingPunct="1">
         <a:lnSpc>
           <a:spcPct val="90000"/>
         </a:lnSpc>
         <a:spcBef>
-          <a:spcPts val="500"/>
+          <a:spcPts val="300"/>
         </a:spcBef>
-        <a:buFont typeface="Arial" panose="020B0604020202020204" pitchFamily="34" charset="0"/>
-        <a:buChar char="•"/>
-        <a:defRPr sz="2000" kern="1200">
+        <a:spcAft>
+          <a:spcPts val="300"/>
+        </a:spcAft>
+        <a:buClr>
+          <a:schemeClr val="accent1"/>
+        </a:buClr>
+        <a:buFont typeface="Wingdings 2" pitchFamily="18" charset="2"/>
+        <a:buChar char=""/>
+        <a:defRPr sz="1400" kern="1200">
           <a:solidFill>
-            <a:schemeClr val="tx1"/>
+            <a:schemeClr val="tx1">
+              <a:lumMod val="85000"/>
+              <a:lumOff val="15000"/>
+            </a:schemeClr>
           </a:solidFill>
           <a:latin typeface="+mn-lt"/>
           <a:ea typeface="+mn-ea"/>
           <a:cs typeface="+mn-cs"/>
         </a:defRPr>
       </a:lvl3pPr>
-      <a:lvl4pPr marL="1600200" indent="-228600" algn="l" defTabSz="914400" rtl="0" eaLnBrk="1" latinLnBrk="0" hangingPunct="1">
+      <a:lvl4pPr marL="1005840" indent="-182880" algn="l" defTabSz="914400" rtl="0" eaLnBrk="1" latinLnBrk="0" hangingPunct="1">
         <a:lnSpc>
           <a:spcPct val="90000"/>
         </a:lnSpc>
         <a:spcBef>
-          <a:spcPts val="500"/>
+          <a:spcPts val="300"/>
         </a:spcBef>
-        <a:buFont typeface="Arial" panose="020B0604020202020204" pitchFamily="34" charset="0"/>
-        <a:buChar char="•"/>
-        <a:defRPr sz="1800" kern="1200">
+        <a:spcAft>
+          <a:spcPts val="300"/>
+        </a:spcAft>
+        <a:buClr>
+          <a:schemeClr val="accent1"/>
+        </a:buClr>
+        <a:buFont typeface="Wingdings 2" pitchFamily="18" charset="2"/>
+        <a:buChar char=""/>
+        <a:defRPr sz="1400" kern="1200">
           <a:solidFill>
-            <a:schemeClr val="tx1"/>
+            <a:schemeClr val="tx1">
+              <a:lumMod val="85000"/>
+              <a:lumOff val="15000"/>
+            </a:schemeClr>
           </a:solidFill>
           <a:latin typeface="+mn-lt"/>
           <a:ea typeface="+mn-ea"/>
           <a:cs typeface="+mn-cs"/>
         </a:defRPr>
       </a:lvl4pPr>
-      <a:lvl5pPr marL="2057400" indent="-228600" algn="l" defTabSz="914400" rtl="0" eaLnBrk="1" latinLnBrk="0" hangingPunct="1">
+      <a:lvl5pPr marL="1280160" indent="-182880" algn="l" defTabSz="914400" rtl="0" eaLnBrk="1" latinLnBrk="0" hangingPunct="1">
         <a:lnSpc>
           <a:spcPct val="90000"/>
         </a:lnSpc>
         <a:spcBef>
-          <a:spcPts val="500"/>
+          <a:spcPts val="300"/>
         </a:spcBef>
-        <a:buFont typeface="Arial" panose="020B0604020202020204" pitchFamily="34" charset="0"/>
-        <a:buChar char="•"/>
-        <a:defRPr sz="1800" kern="1200">
+        <a:spcAft>
+          <a:spcPts val="300"/>
+        </a:spcAft>
+        <a:buClr>
+          <a:schemeClr val="accent1"/>
+        </a:buClr>
+        <a:buFont typeface="Wingdings 2" pitchFamily="18" charset="2"/>
+        <a:buChar char=""/>
+        <a:defRPr sz="1400" kern="1200">
           <a:solidFill>
-            <a:schemeClr val="tx1"/>
+            <a:schemeClr val="tx1">
+              <a:lumMod val="85000"/>
+              <a:lumOff val="15000"/>
+            </a:schemeClr>
           </a:solidFill>
           <a:latin typeface="+mn-lt"/>
           <a:ea typeface="+mn-ea"/>
           <a:cs typeface="+mn-cs"/>
         </a:defRPr>
       </a:lvl5pPr>
-      <a:lvl6pPr marL="2514600" indent="-228600" algn="l" defTabSz="914400" rtl="0" eaLnBrk="1" latinLnBrk="0" hangingPunct="1">
+      <a:lvl6pPr marL="1600000" indent="-228600" algn="l" defTabSz="914400" rtl="0" eaLnBrk="1" latinLnBrk="0" hangingPunct="1">
         <a:lnSpc>
           <a:spcPct val="90000"/>
         </a:lnSpc>
         <a:spcBef>
-          <a:spcPts val="500"/>
+          <a:spcPts val="300"/>
         </a:spcBef>
-        <a:buFont typeface="Arial" panose="020B0604020202020204" pitchFamily="34" charset="0"/>
-        <a:buChar char="•"/>
-        <a:defRPr sz="1800" kern="1200">
+        <a:spcAft>
+          <a:spcPts val="300"/>
+        </a:spcAft>
+        <a:buClr>
+          <a:schemeClr val="accent1"/>
+        </a:buClr>
+        <a:buFont typeface="Wingdings 2" pitchFamily="18" charset="2"/>
+        <a:buChar char=""/>
+        <a:defRPr sz="1400" kern="1200">
           <a:solidFill>
-            <a:schemeClr val="tx1"/>
+            <a:schemeClr val="tx1">
+              <a:lumMod val="85000"/>
+              <a:lumOff val="15000"/>
+            </a:schemeClr>
           </a:solidFill>
           <a:latin typeface="+mn-lt"/>
           <a:ea typeface="+mn-ea"/>
           <a:cs typeface="+mn-cs"/>
         </a:defRPr>
       </a:lvl6pPr>
-      <a:lvl7pPr marL="2971800" indent="-228600" algn="l" defTabSz="914400" rtl="0" eaLnBrk="1" latinLnBrk="0" hangingPunct="1">
+      <a:lvl7pPr marL="1900000" indent="-228600" algn="l" defTabSz="914400" rtl="0" eaLnBrk="1" latinLnBrk="0" hangingPunct="1">
         <a:lnSpc>
           <a:spcPct val="90000"/>
         </a:lnSpc>
         <a:spcBef>
-          <a:spcPts val="500"/>
+          <a:spcPts val="300"/>
         </a:spcBef>
-        <a:buFont typeface="Arial" panose="020B0604020202020204" pitchFamily="34" charset="0"/>
-        <a:buChar char="•"/>
-        <a:defRPr sz="1800" kern="1200">
+        <a:spcAft>
+          <a:spcPts val="300"/>
+        </a:spcAft>
+        <a:buClr>
+          <a:schemeClr val="accent1"/>
+        </a:buClr>
+        <a:buFont typeface="Wingdings 2" pitchFamily="18" charset="2"/>
+        <a:buChar char=""/>
+        <a:defRPr sz="1400" kern="1200">
           <a:solidFill>
-            <a:schemeClr val="tx1"/>
+            <a:schemeClr val="tx1">
+              <a:lumMod val="85000"/>
+              <a:lumOff val="15000"/>
+            </a:schemeClr>
           </a:solidFill>
           <a:latin typeface="+mn-lt"/>
           <a:ea typeface="+mn-ea"/>
           <a:cs typeface="+mn-cs"/>
         </a:defRPr>
       </a:lvl7pPr>
-      <a:lvl8pPr marL="3429000" indent="-228600" algn="l" defTabSz="914400" rtl="0" eaLnBrk="1" latinLnBrk="0" hangingPunct="1">
+      <a:lvl8pPr marL="2200000" indent="-228600" algn="l" defTabSz="914400" rtl="0" eaLnBrk="1" latinLnBrk="0" hangingPunct="1">
         <a:lnSpc>
           <a:spcPct val="90000"/>
         </a:lnSpc>
         <a:spcBef>
-          <a:spcPts val="500"/>
+          <a:spcPts val="300"/>
         </a:spcBef>
-        <a:buFont typeface="Arial" panose="020B0604020202020204" pitchFamily="34" charset="0"/>
-        <a:buChar char="•"/>
-        <a:defRPr sz="1800" kern="1200">
+        <a:spcAft>
+          <a:spcPts val="300"/>
+        </a:spcAft>
+        <a:buClr>
+          <a:schemeClr val="accent1"/>
+        </a:buClr>
+        <a:buFont typeface="Wingdings 2" pitchFamily="18" charset="2"/>
+        <a:buChar char=""/>
+        <a:defRPr sz="1400" kern="1200">
           <a:solidFill>
-            <a:schemeClr val="tx1"/>
+            <a:schemeClr val="tx1">
+              <a:lumMod val="85000"/>
+              <a:lumOff val="15000"/>
+            </a:schemeClr>
           </a:solidFill>
           <a:latin typeface="+mn-lt"/>
           <a:ea typeface="+mn-ea"/>
           <a:cs typeface="+mn-cs"/>
         </a:defRPr>
       </a:lvl8pPr>
-      <a:lvl9pPr marL="3886200" indent="-228600" algn="l" defTabSz="914400" rtl="0" eaLnBrk="1" latinLnBrk="0" hangingPunct="1">
+      <a:lvl9pPr marL="2500000" indent="-228600" algn="l" defTabSz="914400" rtl="0" eaLnBrk="1" latinLnBrk="0" hangingPunct="1">
         <a:lnSpc>
           <a:spcPct val="90000"/>
         </a:lnSpc>
         <a:spcBef>
-          <a:spcPts val="500"/>
+          <a:spcPts val="300"/>
         </a:spcBef>
-        <a:buFont typeface="Arial" panose="020B0604020202020204" pitchFamily="34" charset="0"/>
-        <a:buChar char="•"/>
-        <a:defRPr sz="1800" kern="1200">
+        <a:spcAft>
+          <a:spcPts val="300"/>
+        </a:spcAft>
+        <a:buClr>
+          <a:schemeClr val="accent1"/>
+        </a:buClr>
+        <a:buFont typeface="Wingdings 2" pitchFamily="18" charset="2"/>
+        <a:buChar char=""/>
+        <a:defRPr sz="1400" kern="1200">
           <a:solidFill>
-            <a:schemeClr val="tx1"/>
+            <a:schemeClr val="tx1">
+              <a:lumMod val="85000"/>
+              <a:lumOff val="15000"/>
+            </a:schemeClr>
           </a:solidFill>
           <a:latin typeface="+mn-lt"/>
           <a:ea typeface="+mn-ea"/>
@@ -3307,6 +3444,21 @@
 <file path=ppt/slides/slide1.xml><?xml version="1.0" encoding="utf-8"?>
 <p:sld xmlns:a="http://schemas.openxmlformats.org/drawingml/2006/main" xmlns:r="http://schemas.openxmlformats.org/officeDocument/2006/relationships" xmlns:p="http://schemas.openxmlformats.org/presentationml/2006/main">
   <p:cSld>
+    <p:bg>
+      <p:bgPr>
+        <a:pattFill prst="dashVert">
+          <a:fgClr>
+            <a:schemeClr val="bg2">
+              <a:lumMod val="75000"/>
+            </a:schemeClr>
+          </a:fgClr>
+          <a:bgClr>
+            <a:schemeClr val="bg1"/>
+          </a:bgClr>
+        </a:pattFill>
+        <a:effectLst/>
+      </p:bgPr>
+    </p:bg>
     <p:spTree>
       <p:nvGrpSpPr>
         <p:cNvPr id="1" name=""/>
@@ -3343,10 +3495,24 @@
           <a:lstStyle/>
           <a:p>
             <a:r>
-              <a:rPr lang="en-AU" dirty="0"/>
+              <a:rPr lang="en-AU" dirty="0">
+                <a:solidFill>
+                  <a:schemeClr val="bg1">
+                    <a:lumMod val="10000"/>
+                    <a:lumOff val="90000"/>
+                  </a:schemeClr>
+                </a:solidFill>
+              </a:rPr>
               <a:t>Terminal App</a:t>
             </a:r>
-            <a:endParaRPr lang="en-US" dirty="0"/>
+            <a:endParaRPr lang="en-US" dirty="0">
+              <a:solidFill>
+                <a:schemeClr val="bg1">
+                  <a:lumMod val="10000"/>
+                  <a:lumOff val="90000"/>
+                </a:schemeClr>
+              </a:solidFill>
+            </a:endParaRPr>
           </a:p>
         </p:txBody>
       </p:sp>
@@ -3372,10 +3538,24 @@
           <a:lstStyle/>
           <a:p>
             <a:r>
-              <a:rPr lang="en-AU" dirty="0"/>
-              <a:t>Subway Finder</a:t>
-            </a:r>
-            <a:endParaRPr lang="en-US" dirty="0"/>
+              <a:rPr lang="en-AU" dirty="0">
+                <a:solidFill>
+                  <a:schemeClr val="bg1">
+                    <a:lumMod val="10000"/>
+                    <a:lumOff val="90000"/>
+                  </a:schemeClr>
+                </a:solidFill>
+              </a:rPr>
+              <a:t>Subway Trip Planner</a:t>
+            </a:r>
+            <a:endParaRPr lang="en-US" dirty="0">
+              <a:solidFill>
+                <a:schemeClr val="bg1">
+                  <a:lumMod val="10000"/>
+                  <a:lumOff val="90000"/>
+                </a:schemeClr>
+              </a:solidFill>
+            </a:endParaRPr>
           </a:p>
         </p:txBody>
       </p:sp>
@@ -3392,111 +3572,771 @@
 </p:sld>
 </file>
 
+<file path=ppt/slides/slide2.xml><?xml version="1.0" encoding="utf-8"?>
+<p:sld xmlns:a="http://schemas.openxmlformats.org/drawingml/2006/main" xmlns:r="http://schemas.openxmlformats.org/officeDocument/2006/relationships" xmlns:p="http://schemas.openxmlformats.org/presentationml/2006/main">
+  <p:cSld>
+    <p:spTree>
+      <p:nvGrpSpPr>
+        <p:cNvPr id="1" name=""/>
+        <p:cNvGrpSpPr/>
+        <p:nvPr/>
+      </p:nvGrpSpPr>
+      <p:grpSpPr>
+        <a:xfrm>
+          <a:off x="0" y="0"/>
+          <a:ext cx="0" cy="0"/>
+          <a:chOff x="0" y="0"/>
+          <a:chExt cx="0" cy="0"/>
+        </a:xfrm>
+      </p:grpSpPr>
+      <p:sp>
+        <p:nvSpPr>
+          <p:cNvPr id="2" name="Title 1">
+            <a:extLst>
+              <a:ext uri="{FF2B5EF4-FFF2-40B4-BE49-F238E27FC236}">
+                <a16:creationId xmlns:a16="http://schemas.microsoft.com/office/drawing/2014/main" id="{28927150-DF95-47A8-86C1-68CA88ABC1C7}"/>
+              </a:ext>
+            </a:extLst>
+          </p:cNvPr>
+          <p:cNvSpPr>
+            <a:spLocks noGrp="1"/>
+          </p:cNvSpPr>
+          <p:nvPr>
+            <p:ph type="title"/>
+          </p:nvPr>
+        </p:nvSpPr>
+        <p:spPr/>
+        <p:txBody>
+          <a:bodyPr/>
+          <a:lstStyle/>
+          <a:p>
+            <a:r>
+              <a:rPr lang="en-AU" dirty="0"/>
+              <a:t>Demo</a:t>
+            </a:r>
+            <a:endParaRPr lang="en-US" dirty="0"/>
+          </a:p>
+        </p:txBody>
+      </p:sp>
+      <p:sp>
+        <p:nvSpPr>
+          <p:cNvPr id="3" name="Content Placeholder 2">
+            <a:extLst>
+              <a:ext uri="{FF2B5EF4-FFF2-40B4-BE49-F238E27FC236}">
+                <a16:creationId xmlns:a16="http://schemas.microsoft.com/office/drawing/2014/main" id="{EA15E88C-DCB6-4805-91BC-21A410619E58}"/>
+              </a:ext>
+            </a:extLst>
+          </p:cNvPr>
+          <p:cNvSpPr>
+            <a:spLocks noGrp="1"/>
+          </p:cNvSpPr>
+          <p:nvPr>
+            <p:ph idx="1"/>
+          </p:nvPr>
+        </p:nvSpPr>
+        <p:spPr/>
+        <p:txBody>
+          <a:bodyPr/>
+          <a:lstStyle/>
+          <a:p>
+            <a:endParaRPr lang="en-US" dirty="0"/>
+          </a:p>
+        </p:txBody>
+      </p:sp>
+      <p:pic>
+        <p:nvPicPr>
+          <p:cNvPr id="4" name="Picture 3">
+            <a:extLst>
+              <a:ext uri="{FF2B5EF4-FFF2-40B4-BE49-F238E27FC236}">
+                <a16:creationId xmlns:a16="http://schemas.microsoft.com/office/drawing/2014/main" id="{6F1E7252-9973-4BF5-BFA7-8B1A374D3ECE}"/>
+              </a:ext>
+            </a:extLst>
+          </p:cNvPr>
+          <p:cNvPicPr>
+            <a:picLocks noChangeAspect="1"/>
+          </p:cNvPicPr>
+          <p:nvPr/>
+        </p:nvPicPr>
+        <p:blipFill rotWithShape="1">
+          <a:blip r:embed="rId2"/>
+          <a:srcRect t="6383" r="19894" b="41560"/>
+          <a:stretch/>
+        </p:blipFill>
+        <p:spPr>
+          <a:xfrm>
+            <a:off x="676267" y="1828800"/>
+            <a:ext cx="9766570" cy="3570051"/>
+          </a:xfrm>
+          <a:prstGeom prst="rect">
+            <a:avLst/>
+          </a:prstGeom>
+        </p:spPr>
+      </p:pic>
+    </p:spTree>
+    <p:extLst>
+      <p:ext uri="{BB962C8B-B14F-4D97-AF65-F5344CB8AC3E}">
+        <p14:creationId xmlns:p14="http://schemas.microsoft.com/office/powerpoint/2010/main" val="438895329"/>
+      </p:ext>
+    </p:extLst>
+  </p:cSld>
+  <p:clrMapOvr>
+    <a:masterClrMapping/>
+  </p:clrMapOvr>
+</p:sld>
+</file>
+
+<file path=ppt/slides/slide3.xml><?xml version="1.0" encoding="utf-8"?>
+<p:sld xmlns:a="http://schemas.openxmlformats.org/drawingml/2006/main" xmlns:r="http://schemas.openxmlformats.org/officeDocument/2006/relationships" xmlns:p="http://schemas.openxmlformats.org/presentationml/2006/main">
+  <p:cSld>
+    <p:spTree>
+      <p:nvGrpSpPr>
+        <p:cNvPr id="1" name=""/>
+        <p:cNvGrpSpPr/>
+        <p:nvPr/>
+      </p:nvGrpSpPr>
+      <p:grpSpPr>
+        <a:xfrm>
+          <a:off x="0" y="0"/>
+          <a:ext cx="0" cy="0"/>
+          <a:chOff x="0" y="0"/>
+          <a:chExt cx="0" cy="0"/>
+        </a:xfrm>
+      </p:grpSpPr>
+      <p:pic>
+        <p:nvPicPr>
+          <p:cNvPr id="4" name="Picture 3">
+            <a:extLst>
+              <a:ext uri="{FF2B5EF4-FFF2-40B4-BE49-F238E27FC236}">
+                <a16:creationId xmlns:a16="http://schemas.microsoft.com/office/drawing/2014/main" id="{D866F662-2F4F-4A30-AFE7-6AC04483D5A6}"/>
+              </a:ext>
+            </a:extLst>
+          </p:cNvPr>
+          <p:cNvPicPr>
+            <a:picLocks noChangeAspect="1"/>
+          </p:cNvPicPr>
+          <p:nvPr/>
+        </p:nvPicPr>
+        <p:blipFill rotWithShape="1">
+          <a:blip r:embed="rId2"/>
+          <a:srcRect t="38440" r="37527" b="26241"/>
+          <a:stretch/>
+        </p:blipFill>
+        <p:spPr>
+          <a:xfrm>
+            <a:off x="1673155" y="330739"/>
+            <a:ext cx="7616757" cy="2422187"/>
+          </a:xfrm>
+          <a:prstGeom prst="rect">
+            <a:avLst/>
+          </a:prstGeom>
+        </p:spPr>
+      </p:pic>
+      <p:pic>
+        <p:nvPicPr>
+          <p:cNvPr id="5" name="Picture 4">
+            <a:extLst>
+              <a:ext uri="{FF2B5EF4-FFF2-40B4-BE49-F238E27FC236}">
+                <a16:creationId xmlns:a16="http://schemas.microsoft.com/office/drawing/2014/main" id="{DEB7D994-7D43-4678-BA7F-1910BF1892AB}"/>
+              </a:ext>
+            </a:extLst>
+          </p:cNvPr>
+          <p:cNvPicPr>
+            <a:picLocks noChangeAspect="1"/>
+          </p:cNvPicPr>
+          <p:nvPr/>
+        </p:nvPicPr>
+        <p:blipFill rotWithShape="1">
+          <a:blip r:embed="rId3"/>
+          <a:srcRect t="29362" r="43271" b="22553"/>
+          <a:stretch/>
+        </p:blipFill>
+        <p:spPr>
+          <a:xfrm>
+            <a:off x="2023350" y="3044760"/>
+            <a:ext cx="6916366" cy="3297676"/>
+          </a:xfrm>
+          <a:prstGeom prst="rect">
+            <a:avLst/>
+          </a:prstGeom>
+        </p:spPr>
+      </p:pic>
+    </p:spTree>
+    <p:extLst>
+      <p:ext uri="{BB962C8B-B14F-4D97-AF65-F5344CB8AC3E}">
+        <p14:creationId xmlns:p14="http://schemas.microsoft.com/office/powerpoint/2010/main" val="2992138874"/>
+      </p:ext>
+    </p:extLst>
+  </p:cSld>
+  <p:clrMapOvr>
+    <a:masterClrMapping/>
+  </p:clrMapOvr>
+</p:sld>
+</file>
+
+<file path=ppt/slides/slide4.xml><?xml version="1.0" encoding="utf-8"?>
+<p:sld xmlns:a="http://schemas.openxmlformats.org/drawingml/2006/main" xmlns:r="http://schemas.openxmlformats.org/officeDocument/2006/relationships" xmlns:p="http://schemas.openxmlformats.org/presentationml/2006/main">
+  <p:cSld>
+    <p:spTree>
+      <p:nvGrpSpPr>
+        <p:cNvPr id="1" name=""/>
+        <p:cNvGrpSpPr/>
+        <p:nvPr/>
+      </p:nvGrpSpPr>
+      <p:grpSpPr>
+        <a:xfrm>
+          <a:off x="0" y="0"/>
+          <a:ext cx="0" cy="0"/>
+          <a:chOff x="0" y="0"/>
+          <a:chExt cx="0" cy="0"/>
+        </a:xfrm>
+      </p:grpSpPr>
+      <p:sp>
+        <p:nvSpPr>
+          <p:cNvPr id="2" name="Title 1">
+            <a:extLst>
+              <a:ext uri="{FF2B5EF4-FFF2-40B4-BE49-F238E27FC236}">
+                <a16:creationId xmlns:a16="http://schemas.microsoft.com/office/drawing/2014/main" id="{3C9582A4-CAA1-4BE7-87E8-CBF5780358E9}"/>
+              </a:ext>
+            </a:extLst>
+          </p:cNvPr>
+          <p:cNvSpPr>
+            <a:spLocks noGrp="1"/>
+          </p:cNvSpPr>
+          <p:nvPr>
+            <p:ph type="title"/>
+          </p:nvPr>
+        </p:nvSpPr>
+        <p:spPr/>
+        <p:txBody>
+          <a:bodyPr/>
+          <a:lstStyle/>
+          <a:p>
+            <a:r>
+              <a:rPr lang="en-AU" dirty="0"/>
+              <a:t>Objects</a:t>
+            </a:r>
+            <a:endParaRPr lang="en-US" dirty="0"/>
+          </a:p>
+        </p:txBody>
+      </p:sp>
+      <p:pic>
+        <p:nvPicPr>
+          <p:cNvPr id="5" name="Picture 4">
+            <a:extLst>
+              <a:ext uri="{FF2B5EF4-FFF2-40B4-BE49-F238E27FC236}">
+                <a16:creationId xmlns:a16="http://schemas.microsoft.com/office/drawing/2014/main" id="{E45FCE0E-A4FF-40B7-BDD7-A8EBCBA84A0E}"/>
+              </a:ext>
+            </a:extLst>
+          </p:cNvPr>
+          <p:cNvPicPr>
+            <a:picLocks noChangeAspect="1"/>
+          </p:cNvPicPr>
+          <p:nvPr/>
+        </p:nvPicPr>
+        <p:blipFill rotWithShape="1">
+          <a:blip r:embed="rId2"/>
+          <a:srcRect l="17097" t="52090" r="33320" b="28581"/>
+          <a:stretch/>
+        </p:blipFill>
+        <p:spPr>
+          <a:xfrm>
+            <a:off x="1261872" y="2103438"/>
+            <a:ext cx="5294571" cy="1160976"/>
+          </a:xfrm>
+          <a:prstGeom prst="rect">
+            <a:avLst/>
+          </a:prstGeom>
+        </p:spPr>
+      </p:pic>
+      <p:pic>
+        <p:nvPicPr>
+          <p:cNvPr id="6" name="Picture 5">
+            <a:extLst>
+              <a:ext uri="{FF2B5EF4-FFF2-40B4-BE49-F238E27FC236}">
+                <a16:creationId xmlns:a16="http://schemas.microsoft.com/office/drawing/2014/main" id="{06B13B4B-3F6F-497D-80D1-F64D28FA8B2B}"/>
+              </a:ext>
+            </a:extLst>
+          </p:cNvPr>
+          <p:cNvPicPr>
+            <a:picLocks noChangeAspect="1"/>
+          </p:cNvPicPr>
+          <p:nvPr/>
+        </p:nvPicPr>
+        <p:blipFill rotWithShape="1">
+          <a:blip r:embed="rId3"/>
+          <a:srcRect l="17154" t="44397" r="33262" b="39717"/>
+          <a:stretch/>
+        </p:blipFill>
+        <p:spPr>
+          <a:xfrm>
+            <a:off x="1261873" y="3572316"/>
+            <a:ext cx="5294570" cy="954223"/>
+          </a:xfrm>
+          <a:prstGeom prst="rect">
+            <a:avLst/>
+          </a:prstGeom>
+        </p:spPr>
+      </p:pic>
+      <p:pic>
+        <p:nvPicPr>
+          <p:cNvPr id="7" name="Picture 6">
+            <a:extLst>
+              <a:ext uri="{FF2B5EF4-FFF2-40B4-BE49-F238E27FC236}">
+                <a16:creationId xmlns:a16="http://schemas.microsoft.com/office/drawing/2014/main" id="{4B4F9C3B-3A9A-4CF0-91EF-83117689677C}"/>
+              </a:ext>
+            </a:extLst>
+          </p:cNvPr>
+          <p:cNvPicPr>
+            <a:picLocks noChangeAspect="1"/>
+          </p:cNvPicPr>
+          <p:nvPr/>
+        </p:nvPicPr>
+        <p:blipFill rotWithShape="1">
+          <a:blip r:embed="rId4"/>
+          <a:srcRect l="18927" t="33139" r="31489" b="50478"/>
+          <a:stretch/>
+        </p:blipFill>
+        <p:spPr>
+          <a:xfrm>
+            <a:off x="1261873" y="4951378"/>
+            <a:ext cx="5294570" cy="984043"/>
+          </a:xfrm>
+          <a:prstGeom prst="rect">
+            <a:avLst/>
+          </a:prstGeom>
+        </p:spPr>
+      </p:pic>
+      <p:sp>
+        <p:nvSpPr>
+          <p:cNvPr id="10" name="TextBox 9">
+            <a:extLst>
+              <a:ext uri="{FF2B5EF4-FFF2-40B4-BE49-F238E27FC236}">
+                <a16:creationId xmlns:a16="http://schemas.microsoft.com/office/drawing/2014/main" id="{F62AA9B5-E66F-4C76-8082-8EBFBDDF8131}"/>
+              </a:ext>
+            </a:extLst>
+          </p:cNvPr>
+          <p:cNvSpPr txBox="1"/>
+          <p:nvPr/>
+        </p:nvSpPr>
+        <p:spPr>
+          <a:xfrm>
+            <a:off x="6770451" y="1762972"/>
+            <a:ext cx="4169404" cy="4247317"/>
+          </a:xfrm>
+          <a:prstGeom prst="rect">
+            <a:avLst/>
+          </a:prstGeom>
+          <a:noFill/>
+        </p:spPr>
+        <p:txBody>
+          <a:bodyPr wrap="square" rtlCol="0">
+            <a:spAutoFit/>
+          </a:bodyPr>
+          <a:lstStyle/>
+          <a:p>
+            <a:r>
+              <a:rPr lang="en-AU" dirty="0"/>
+              <a:t>Line objects are created with:</a:t>
+            </a:r>
+          </a:p>
+          <a:p>
+            <a:pPr marL="285750" indent="-285750">
+              <a:buFont typeface="Arial" panose="020B0604020202020204" pitchFamily="34" charset="0"/>
+              <a:buChar char="•"/>
+            </a:pPr>
+            <a:r>
+              <a:rPr lang="en-AU" dirty="0"/>
+              <a:t>Name</a:t>
+            </a:r>
+          </a:p>
+          <a:p>
+            <a:pPr marL="285750" indent="-285750">
+              <a:buFont typeface="Arial" panose="020B0604020202020204" pitchFamily="34" charset="0"/>
+              <a:buChar char="•"/>
+            </a:pPr>
+            <a:r>
+              <a:rPr lang="en-AU" dirty="0"/>
+              <a:t>Randomly named stations</a:t>
+            </a:r>
+          </a:p>
+          <a:p>
+            <a:pPr marL="285750" indent="-285750">
+              <a:buFont typeface="Arial" panose="020B0604020202020204" pitchFamily="34" charset="0"/>
+              <a:buChar char="•"/>
+            </a:pPr>
+            <a:r>
+              <a:rPr lang="en-AU" dirty="0"/>
+              <a:t>Distance between each station</a:t>
+            </a:r>
+          </a:p>
+          <a:p>
+            <a:pPr marL="285750" indent="-285750">
+              <a:buFont typeface="Arial" panose="020B0604020202020204" pitchFamily="34" charset="0"/>
+              <a:buChar char="•"/>
+            </a:pPr>
+            <a:r>
+              <a:rPr lang="en-AU" dirty="0"/>
+              <a:t>Direction and</a:t>
+            </a:r>
+          </a:p>
+          <a:p>
+            <a:pPr marL="285750" indent="-285750">
+              <a:buFont typeface="Arial" panose="020B0604020202020204" pitchFamily="34" charset="0"/>
+              <a:buChar char="•"/>
+            </a:pPr>
+            <a:r>
+              <a:rPr lang="en-AU" dirty="0"/>
+              <a:t>Colour</a:t>
+            </a:r>
+          </a:p>
+          <a:p>
+            <a:endParaRPr lang="en-AU" dirty="0"/>
+          </a:p>
+          <a:p>
+            <a:r>
+              <a:rPr lang="en-AU" dirty="0"/>
+              <a:t>Trains</a:t>
+            </a:r>
+            <a:r>
+              <a:rPr lang="en-US" dirty="0"/>
+              <a:t> objects are created with:</a:t>
+            </a:r>
+          </a:p>
+          <a:p>
+            <a:pPr marL="285750" indent="-285750">
+              <a:buFont typeface="Arial" panose="020B0604020202020204" pitchFamily="34" charset="0"/>
+              <a:buChar char="•"/>
+            </a:pPr>
+            <a:r>
+              <a:rPr lang="en-US" dirty="0"/>
+              <a:t>Starting point</a:t>
+            </a:r>
+          </a:p>
+          <a:p>
+            <a:pPr marL="285750" indent="-285750">
+              <a:buFont typeface="Arial" panose="020B0604020202020204" pitchFamily="34" charset="0"/>
+              <a:buChar char="•"/>
+            </a:pPr>
+            <a:r>
+              <a:rPr lang="en-US" dirty="0"/>
+              <a:t>Direction</a:t>
+            </a:r>
+          </a:p>
+          <a:p>
+            <a:pPr marL="285750" indent="-285750">
+              <a:buFont typeface="Arial" panose="020B0604020202020204" pitchFamily="34" charset="0"/>
+              <a:buChar char="•"/>
+            </a:pPr>
+            <a:r>
+              <a:rPr lang="en-US" dirty="0"/>
+              <a:t>And which line it is placed on</a:t>
+            </a:r>
+          </a:p>
+          <a:p>
+            <a:pPr marL="285750" indent="-285750">
+              <a:buFont typeface="Arial" panose="020B0604020202020204" pitchFamily="34" charset="0"/>
+              <a:buChar char="•"/>
+            </a:pPr>
+            <a:endParaRPr lang="en-US" dirty="0"/>
+          </a:p>
+          <a:p>
+            <a:r>
+              <a:rPr lang="en-US" dirty="0"/>
+              <a:t>Trip objects are created with:</a:t>
+            </a:r>
+          </a:p>
+          <a:p>
+            <a:pPr marL="285750" indent="-285750">
+              <a:buFont typeface="Arial" panose="020B0604020202020204" pitchFamily="34" charset="0"/>
+              <a:buChar char="•"/>
+            </a:pPr>
+            <a:r>
+              <a:rPr lang="en-US" dirty="0"/>
+              <a:t>Origin and destination name</a:t>
+            </a:r>
+          </a:p>
+          <a:p>
+            <a:pPr marL="285750" indent="-285750">
+              <a:buFont typeface="Arial" panose="020B0604020202020204" pitchFamily="34" charset="0"/>
+              <a:buChar char="•"/>
+            </a:pPr>
+            <a:r>
+              <a:rPr lang="en-US" dirty="0"/>
+              <a:t>Time</a:t>
+            </a:r>
+            <a:endParaRPr lang="en-AU" dirty="0"/>
+          </a:p>
+        </p:txBody>
+      </p:sp>
+    </p:spTree>
+    <p:extLst>
+      <p:ext uri="{BB962C8B-B14F-4D97-AF65-F5344CB8AC3E}">
+        <p14:creationId xmlns:p14="http://schemas.microsoft.com/office/powerpoint/2010/main" val="3232862719"/>
+      </p:ext>
+    </p:extLst>
+  </p:cSld>
+  <p:clrMapOvr>
+    <a:masterClrMapping/>
+  </p:clrMapOvr>
+</p:sld>
+</file>
+
+<file path=ppt/slides/slide5.xml><?xml version="1.0" encoding="utf-8"?>
+<p:sld xmlns:a="http://schemas.openxmlformats.org/drawingml/2006/main" xmlns:r="http://schemas.openxmlformats.org/officeDocument/2006/relationships" xmlns:p="http://schemas.openxmlformats.org/presentationml/2006/main">
+  <p:cSld>
+    <p:spTree>
+      <p:nvGrpSpPr>
+        <p:cNvPr id="1" name=""/>
+        <p:cNvGrpSpPr/>
+        <p:nvPr/>
+      </p:nvGrpSpPr>
+      <p:grpSpPr>
+        <a:xfrm>
+          <a:off x="0" y="0"/>
+          <a:ext cx="0" cy="0"/>
+          <a:chOff x="0" y="0"/>
+          <a:chExt cx="0" cy="0"/>
+        </a:xfrm>
+      </p:grpSpPr>
+      <p:sp>
+        <p:nvSpPr>
+          <p:cNvPr id="2" name="Title 1">
+            <a:extLst>
+              <a:ext uri="{FF2B5EF4-FFF2-40B4-BE49-F238E27FC236}">
+                <a16:creationId xmlns:a16="http://schemas.microsoft.com/office/drawing/2014/main" id="{0F766CB3-1C9D-4B0F-AF38-848E5A29049E}"/>
+              </a:ext>
+            </a:extLst>
+          </p:cNvPr>
+          <p:cNvSpPr>
+            <a:spLocks noGrp="1"/>
+          </p:cNvSpPr>
+          <p:nvPr>
+            <p:ph type="title"/>
+          </p:nvPr>
+        </p:nvSpPr>
+        <p:spPr/>
+        <p:txBody>
+          <a:bodyPr/>
+          <a:lstStyle/>
+          <a:p>
+            <a:r>
+              <a:rPr lang="en-AU" dirty="0"/>
+              <a:t>Calculating the trip</a:t>
+            </a:r>
+            <a:endParaRPr lang="en-US" dirty="0"/>
+          </a:p>
+        </p:txBody>
+      </p:sp>
+      <p:pic>
+        <p:nvPicPr>
+          <p:cNvPr id="5" name="Content Placeholder 4">
+            <a:extLst>
+              <a:ext uri="{FF2B5EF4-FFF2-40B4-BE49-F238E27FC236}">
+                <a16:creationId xmlns:a16="http://schemas.microsoft.com/office/drawing/2014/main" id="{4814ECC3-A1EE-4947-9514-5275DE30DD7B}"/>
+              </a:ext>
+            </a:extLst>
+          </p:cNvPr>
+          <p:cNvPicPr>
+            <a:picLocks noGrp="1" noChangeAspect="1"/>
+          </p:cNvPicPr>
+          <p:nvPr>
+            <p:ph idx="1"/>
+          </p:nvPr>
+        </p:nvPicPr>
+        <p:blipFill>
+          <a:blip r:embed="rId2">
+            <a:extLst>
+              <a:ext uri="{28A0092B-C50C-407E-A947-70E740481C1C}">
+                <a14:useLocalDpi xmlns:a14="http://schemas.microsoft.com/office/drawing/2010/main" val="0"/>
+              </a:ext>
+            </a:extLst>
+          </a:blip>
+          <a:stretch>
+            <a:fillRect/>
+          </a:stretch>
+        </p:blipFill>
+        <p:spPr>
+          <a:xfrm>
+            <a:off x="1346288" y="1828800"/>
+            <a:ext cx="8426275" cy="4351338"/>
+          </a:xfrm>
+        </p:spPr>
+      </p:pic>
+    </p:spTree>
+    <p:extLst>
+      <p:ext uri="{BB962C8B-B14F-4D97-AF65-F5344CB8AC3E}">
+        <p14:creationId xmlns:p14="http://schemas.microsoft.com/office/powerpoint/2010/main" val="506797638"/>
+      </p:ext>
+    </p:extLst>
+  </p:cSld>
+  <p:clrMapOvr>
+    <a:masterClrMapping/>
+  </p:clrMapOvr>
+</p:sld>
+</file>
+
+<file path=ppt/slides/slide6.xml><?xml version="1.0" encoding="utf-8"?>
+<p:sld xmlns:a="http://schemas.openxmlformats.org/drawingml/2006/main" xmlns:r="http://schemas.openxmlformats.org/officeDocument/2006/relationships" xmlns:p="http://schemas.openxmlformats.org/presentationml/2006/main">
+  <p:cSld>
+    <p:spTree>
+      <p:nvGrpSpPr>
+        <p:cNvPr id="1" name=""/>
+        <p:cNvGrpSpPr/>
+        <p:nvPr/>
+      </p:nvGrpSpPr>
+      <p:grpSpPr>
+        <a:xfrm>
+          <a:off x="0" y="0"/>
+          <a:ext cx="0" cy="0"/>
+          <a:chOff x="0" y="0"/>
+          <a:chExt cx="0" cy="0"/>
+        </a:xfrm>
+      </p:grpSpPr>
+      <p:sp>
+        <p:nvSpPr>
+          <p:cNvPr id="2" name="Title 1">
+            <a:extLst>
+              <a:ext uri="{FF2B5EF4-FFF2-40B4-BE49-F238E27FC236}">
+                <a16:creationId xmlns:a16="http://schemas.microsoft.com/office/drawing/2014/main" id="{35662610-837C-4EE8-94F0-F2769721292E}"/>
+              </a:ext>
+            </a:extLst>
+          </p:cNvPr>
+          <p:cNvSpPr>
+            <a:spLocks noGrp="1"/>
+          </p:cNvSpPr>
+          <p:nvPr>
+            <p:ph type="title"/>
+          </p:nvPr>
+        </p:nvSpPr>
+        <p:spPr/>
+        <p:txBody>
+          <a:bodyPr/>
+          <a:lstStyle/>
+          <a:p>
+            <a:r>
+              <a:rPr lang="en-AU" dirty="0"/>
+              <a:t>Further work</a:t>
+            </a:r>
+            <a:endParaRPr lang="en-US" dirty="0"/>
+          </a:p>
+        </p:txBody>
+      </p:sp>
+      <p:sp>
+        <p:nvSpPr>
+          <p:cNvPr id="3" name="Content Placeholder 2">
+            <a:extLst>
+              <a:ext uri="{FF2B5EF4-FFF2-40B4-BE49-F238E27FC236}">
+                <a16:creationId xmlns:a16="http://schemas.microsoft.com/office/drawing/2014/main" id="{90600981-32B3-46CD-808E-B5B8E76A92AB}"/>
+              </a:ext>
+            </a:extLst>
+          </p:cNvPr>
+          <p:cNvSpPr>
+            <a:spLocks noGrp="1"/>
+          </p:cNvSpPr>
+          <p:nvPr>
+            <p:ph idx="1"/>
+          </p:nvPr>
+        </p:nvSpPr>
+        <p:spPr/>
+        <p:txBody>
+          <a:bodyPr/>
+          <a:lstStyle/>
+          <a:p>
+            <a:pPr marL="0" indent="0">
+              <a:buNone/>
+            </a:pPr>
+            <a:r>
+              <a:rPr lang="en-AU" dirty="0"/>
+              <a:t>There are some features that haven’t been implemented.</a:t>
+            </a:r>
+          </a:p>
+          <a:p>
+            <a:r>
+              <a:rPr lang="en-AU" dirty="0"/>
+              <a:t>There can only be one possible path calculated with the current program. Function be implemented if the distance and time taken is returned</a:t>
+            </a:r>
+          </a:p>
+          <a:p>
+            <a:r>
+              <a:rPr lang="en-AU" dirty="0"/>
+              <a:t>Displaying the map as an animation</a:t>
+            </a:r>
+          </a:p>
+          <a:p>
+            <a:r>
+              <a:rPr lang="en-AU" dirty="0"/>
+              <a:t>Displaying time correctly</a:t>
+            </a:r>
+            <a:endParaRPr lang="en-US" dirty="0"/>
+          </a:p>
+        </p:txBody>
+      </p:sp>
+    </p:spTree>
+    <p:extLst>
+      <p:ext uri="{BB962C8B-B14F-4D97-AF65-F5344CB8AC3E}">
+        <p14:creationId xmlns:p14="http://schemas.microsoft.com/office/powerpoint/2010/main" val="2425399337"/>
+      </p:ext>
+    </p:extLst>
+  </p:cSld>
+  <p:clrMapOvr>
+    <a:masterClrMapping/>
+  </p:clrMapOvr>
+</p:sld>
+</file>
+
 <file path=ppt/theme/theme1.xml><?xml version="1.0" encoding="utf-8"?>
-<a:theme xmlns:a="http://schemas.openxmlformats.org/drawingml/2006/main" name="Office Theme">
+<a:theme xmlns:a="http://schemas.openxmlformats.org/drawingml/2006/main" name="View">
   <a:themeElements>
-    <a:clrScheme name="Office">
+    <a:clrScheme name="Custom 5">
       <a:dk1>
-        <a:sysClr val="windowText" lastClr="000000"/>
+        <a:srgbClr val="262626"/>
       </a:dk1>
       <a:lt1>
-        <a:sysClr val="window" lastClr="FFFFFF"/>
+        <a:srgbClr val="E9E9E9"/>
       </a:lt1>
       <a:dk2>
-        <a:srgbClr val="44546A"/>
+        <a:srgbClr val="5C5C5C"/>
       </a:dk2>
       <a:lt2>
-        <a:srgbClr val="E7E6E6"/>
+        <a:srgbClr val="E9E9E9"/>
       </a:lt2>
       <a:accent1>
-        <a:srgbClr val="4472C4"/>
+        <a:srgbClr val="EDB61B"/>
       </a:accent1>
       <a:accent2>
-        <a:srgbClr val="ED7D31"/>
+        <a:srgbClr val="A5644E"/>
       </a:accent2>
       <a:accent3>
-        <a:srgbClr val="A5A5A5"/>
+        <a:srgbClr val="B58B80"/>
       </a:accent3>
       <a:accent4>
-        <a:srgbClr val="FFC000"/>
+        <a:srgbClr val="C3986D"/>
       </a:accent4>
       <a:accent5>
-        <a:srgbClr val="5B9BD5"/>
+        <a:srgbClr val="A19574"/>
       </a:accent5>
       <a:accent6>
-        <a:srgbClr val="70AD47"/>
+        <a:srgbClr val="C17529"/>
       </a:accent6>
       <a:hlink>
-        <a:srgbClr val="0563C1"/>
+        <a:srgbClr val="AD1F1F"/>
       </a:hlink>
       <a:folHlink>
-        <a:srgbClr val="954F72"/>
+        <a:srgbClr val="FFC42F"/>
       </a:folHlink>
     </a:clrScheme>
-    <a:fontScheme name="Office">
+    <a:fontScheme name="View">
       <a:majorFont>
-        <a:latin typeface="Calibri Light" panose="020F0302020204030204"/>
+        <a:latin typeface="Century Schoolbook" panose="02040604050505020304"/>
         <a:ea typeface=""/>
         <a:cs typeface=""/>
-        <a:font script="Jpan" typeface="游ゴシック Light"/>
+        <a:font script="Jpan" typeface="ＭＳ ゴシック"/>
         <a:font script="Hang" typeface="맑은 고딕"/>
-        <a:font script="Hans" typeface="等线 Light"/>
+        <a:font script="Hans" typeface="宋体"/>
         <a:font script="Hant" typeface="新細明體"/>
-        <a:font script="Arab" typeface="Times New Roman"/>
-        <a:font script="Hebr" typeface="Times New Roman"/>
-        <a:font script="Thai" typeface="Angsana New"/>
-        <a:font script="Ethi" typeface="Nyala"/>
-        <a:font script="Beng" typeface="Vrinda"/>
-        <a:font script="Gujr" typeface="Shruti"/>
-        <a:font script="Khmr" typeface="MoolBoran"/>
-        <a:font script="Knda" typeface="Tunga"/>
-        <a:font script="Guru" typeface="Raavi"/>
-        <a:font script="Cans" typeface="Euphemia"/>
-        <a:font script="Cher" typeface="Plantagenet Cherokee"/>
-        <a:font script="Yiii" typeface="Microsoft Yi Baiti"/>
-        <a:font script="Tibt" typeface="Microsoft Himalaya"/>
-        <a:font script="Thaa" typeface="MV Boli"/>
-        <a:font script="Deva" typeface="Mangal"/>
-        <a:font script="Telu" typeface="Gautami"/>
-        <a:font script="Taml" typeface="Latha"/>
-        <a:font script="Syrc" typeface="Estrangelo Edessa"/>
-        <a:font script="Orya" typeface="Kalinga"/>
-        <a:font script="Mlym" typeface="Kartika"/>
-        <a:font script="Laoo" typeface="DokChampa"/>
-        <a:font script="Sinh" typeface="Iskoola Pota"/>
-        <a:font script="Mong" typeface="Mongolian Baiti"/>
-        <a:font script="Viet" typeface="Times New Roman"/>
-        <a:font script="Uigh" typeface="Microsoft Uighur"/>
-        <a:font script="Geor" typeface="Sylfaen"/>
-        <a:font script="Armn" typeface="Arial"/>
-        <a:font script="Bugi" typeface="Leelawadee UI"/>
-        <a:font script="Bopo" typeface="Microsoft JhengHei"/>
-        <a:font script="Java" typeface="Javanese Text"/>
-        <a:font script="Lisu" typeface="Segoe UI"/>
-        <a:font script="Mymr" typeface="Myanmar Text"/>
-        <a:font script="Nkoo" typeface="Ebrima"/>
-        <a:font script="Olck" typeface="Nirmala UI"/>
-        <a:font script="Osma" typeface="Ebrima"/>
-        <a:font script="Phag" typeface="Phagspa"/>
-        <a:font script="Syrn" typeface="Estrangelo Edessa"/>
-        <a:font script="Syrj" typeface="Estrangelo Edessa"/>
-        <a:font script="Syre" typeface="Estrangelo Edessa"/>
-        <a:font script="Sora" typeface="Nirmala UI"/>
-        <a:font script="Tale" typeface="Microsoft Tai Le"/>
-        <a:font script="Talu" typeface="Microsoft New Tai Lue"/>
-        <a:font script="Tfng" typeface="Ebrima"/>
-      </a:majorFont>
-      <a:minorFont>
-        <a:latin typeface="Calibri" panose="020F0502020204030204"/>
-        <a:ea typeface=""/>
-        <a:cs typeface=""/>
-        <a:font script="Jpan" typeface="游ゴシック"/>
-        <a:font script="Hang" typeface="맑은 고딕"/>
-        <a:font script="Hans" typeface="等线"/>
-        <a:font script="Hant" typeface="新細明體"/>
-        <a:font script="Arab" typeface="Arial"/>
-        <a:font script="Hebr" typeface="Arial"/>
-        <a:font script="Thai" typeface="Cordia New"/>
+        <a:font script="Arab" typeface="Tahoma"/>
+        <a:font script="Hebr" typeface="Gisha"/>
+        <a:font script="Thai" typeface="DilleniaUPC"/>
         <a:font script="Ethi" typeface="Nyala"/>
         <a:font script="Beng" typeface="Vrinda"/>
         <a:font script="Gujr" typeface="Shruti"/>
@@ -3517,107 +4357,86 @@
         <a:font script="Laoo" typeface="DokChampa"/>
         <a:font script="Sinh" typeface="Iskoola Pota"/>
         <a:font script="Mong" typeface="Mongolian Baiti"/>
-        <a:font script="Viet" typeface="Arial"/>
+        <a:font script="Viet" typeface="Tahoma"/>
         <a:font script="Uigh" typeface="Microsoft Uighur"/>
         <a:font script="Geor" typeface="Sylfaen"/>
-        <a:font script="Armn" typeface="Arial"/>
-        <a:font script="Bugi" typeface="Leelawadee UI"/>
-        <a:font script="Bopo" typeface="Microsoft JhengHei"/>
-        <a:font script="Java" typeface="Javanese Text"/>
-        <a:font script="Lisu" typeface="Segoe UI"/>
-        <a:font script="Mymr" typeface="Myanmar Text"/>
-        <a:font script="Nkoo" typeface="Ebrima"/>
-        <a:font script="Olck" typeface="Nirmala UI"/>
-        <a:font script="Osma" typeface="Ebrima"/>
-        <a:font script="Phag" typeface="Phagspa"/>
-        <a:font script="Syrn" typeface="Estrangelo Edessa"/>
-        <a:font script="Syrj" typeface="Estrangelo Edessa"/>
-        <a:font script="Syre" typeface="Estrangelo Edessa"/>
-        <a:font script="Sora" typeface="Nirmala UI"/>
-        <a:font script="Tale" typeface="Microsoft Tai Le"/>
-        <a:font script="Talu" typeface="Microsoft New Tai Lue"/>
-        <a:font script="Tfng" typeface="Ebrima"/>
+      </a:majorFont>
+      <a:minorFont>
+        <a:latin typeface="Century Schoolbook" panose="02040604050505020304"/>
+        <a:ea typeface=""/>
+        <a:cs typeface=""/>
+        <a:font script="Jpan" typeface="ＭＳ ゴシック"/>
+        <a:font script="Hang" typeface="맑은 고딕"/>
+        <a:font script="Hans" typeface="宋体"/>
+        <a:font script="Hant" typeface="新細明體"/>
+        <a:font script="Arab" typeface="Tahoma"/>
+        <a:font script="Hebr" typeface="Gisha"/>
+        <a:font script="Thai" typeface="DilleniaUPC"/>
+        <a:font script="Ethi" typeface="Nyala"/>
+        <a:font script="Beng" typeface="Vrinda"/>
+        <a:font script="Gujr" typeface="Shruti"/>
+        <a:font script="Khmr" typeface="DaunPenh"/>
+        <a:font script="Knda" typeface="Tunga"/>
+        <a:font script="Guru" typeface="Raavi"/>
+        <a:font script="Cans" typeface="Euphemia"/>
+        <a:font script="Cher" typeface="Plantagenet Cherokee"/>
+        <a:font script="Yiii" typeface="Microsoft Yi Baiti"/>
+        <a:font script="Tibt" typeface="Microsoft Himalaya"/>
+        <a:font script="Thaa" typeface="MV Boli"/>
+        <a:font script="Deva" typeface="Mangal"/>
+        <a:font script="Telu" typeface="Gautami"/>
+        <a:font script="Taml" typeface="Latha"/>
+        <a:font script="Syrc" typeface="Estrangelo Edessa"/>
+        <a:font script="Orya" typeface="Kalinga"/>
+        <a:font script="Mlym" typeface="Kartika"/>
+        <a:font script="Laoo" typeface="DokChampa"/>
+        <a:font script="Sinh" typeface="Iskoola Pota"/>
+        <a:font script="Mong" typeface="Mongolian Baiti"/>
+        <a:font script="Viet" typeface="Verdana"/>
+        <a:font script="Uigh" typeface="Microsoft Uighur"/>
+        <a:font script="Geor" typeface="Sylfaen"/>
       </a:minorFont>
     </a:fontScheme>
-    <a:fmtScheme name="Office">
+    <a:fmtScheme name="View">
       <a:fillStyleLst>
         <a:solidFill>
           <a:schemeClr val="phClr"/>
         </a:solidFill>
-        <a:gradFill rotWithShape="1">
-          <a:gsLst>
-            <a:gs pos="0">
-              <a:schemeClr val="phClr">
-                <a:lumMod val="110000"/>
-                <a:satMod val="105000"/>
-                <a:tint val="67000"/>
-              </a:schemeClr>
-            </a:gs>
-            <a:gs pos="50000">
-              <a:schemeClr val="phClr">
-                <a:lumMod val="105000"/>
-                <a:satMod val="103000"/>
-                <a:tint val="73000"/>
-              </a:schemeClr>
-            </a:gs>
-            <a:gs pos="100000">
-              <a:schemeClr val="phClr">
-                <a:lumMod val="105000"/>
-                <a:satMod val="109000"/>
-                <a:tint val="81000"/>
-              </a:schemeClr>
-            </a:gs>
-          </a:gsLst>
-          <a:lin ang="5400000" scaled="0"/>
-        </a:gradFill>
-        <a:gradFill rotWithShape="1">
-          <a:gsLst>
-            <a:gs pos="0">
-              <a:schemeClr val="phClr">
-                <a:satMod val="103000"/>
-                <a:lumMod val="102000"/>
-                <a:tint val="94000"/>
-              </a:schemeClr>
-            </a:gs>
-            <a:gs pos="50000">
-              <a:schemeClr val="phClr">
-                <a:satMod val="110000"/>
-                <a:lumMod val="100000"/>
-                <a:shade val="100000"/>
-              </a:schemeClr>
-            </a:gs>
-            <a:gs pos="100000">
-              <a:schemeClr val="phClr">
-                <a:lumMod val="99000"/>
-                <a:satMod val="120000"/>
-                <a:shade val="78000"/>
-              </a:schemeClr>
-            </a:gs>
-          </a:gsLst>
-          <a:lin ang="5400000" scaled="0"/>
-        </a:gradFill>
+        <a:solidFill>
+          <a:schemeClr val="phClr">
+            <a:tint val="60000"/>
+            <a:satMod val="120000"/>
+          </a:schemeClr>
+        </a:solidFill>
+        <a:solidFill>
+          <a:schemeClr val="phClr">
+            <a:shade val="75000"/>
+            <a:satMod val="160000"/>
+          </a:schemeClr>
+        </a:solidFill>
       </a:fillStyleLst>
       <a:lnStyleLst>
-        <a:ln w="6350" cap="flat" cmpd="sng" algn="ctr">
+        <a:ln w="9525" cap="flat" cmpd="sng" algn="ctr">
           <a:solidFill>
             <a:schemeClr val="phClr"/>
           </a:solidFill>
           <a:prstDash val="solid"/>
-          <a:miter lim="800000"/>
         </a:ln>
-        <a:ln w="12700" cap="flat" cmpd="sng" algn="ctr">
+        <a:ln w="13970" cap="flat" cmpd="sng" algn="ctr">
           <a:solidFill>
             <a:schemeClr val="phClr"/>
           </a:solidFill>
           <a:prstDash val="solid"/>
-          <a:miter lim="800000"/>
         </a:ln>
-        <a:ln w="19050" cap="flat" cmpd="sng" algn="ctr">
+        <a:ln w="17145" cap="flat" cmpd="sng" algn="ctr">
           <a:solidFill>
-            <a:schemeClr val="phClr"/>
+            <a:schemeClr val="phClr">
+              <a:shade val="95000"/>
+              <a:alpha val="95000"/>
+              <a:satMod val="150000"/>
+            </a:schemeClr>
           </a:solidFill>
           <a:prstDash val="solid"/>
-          <a:miter lim="800000"/>
         </a:ln>
       </a:lnStyleLst>
       <a:effectStyleLst>
@@ -3625,16 +4444,52 @@
           <a:effectLst/>
         </a:effectStyle>
         <a:effectStyle>
-          <a:effectLst/>
+          <a:effectLst>
+            <a:outerShdw blurRad="50800" dist="15240" dir="5400000" algn="tl" rotWithShape="0">
+              <a:srgbClr val="000000">
+                <a:alpha val="75000"/>
+              </a:srgbClr>
+            </a:outerShdw>
+          </a:effectLst>
+          <a:scene3d>
+            <a:camera prst="orthographicFront">
+              <a:rot lat="0" lon="0" rev="0"/>
+            </a:camera>
+            <a:lightRig rig="brightRoom" dir="tl"/>
+          </a:scene3d>
+          <a:sp3d contourW="9525" prstMaterial="flat">
+            <a:bevelT w="0" h="0" prst="coolSlant"/>
+            <a:contourClr>
+              <a:schemeClr val="phClr">
+                <a:shade val="35000"/>
+                <a:satMod val="130000"/>
+              </a:schemeClr>
+            </a:contourClr>
+          </a:sp3d>
         </a:effectStyle>
         <a:effectStyle>
           <a:effectLst>
-            <a:outerShdw blurRad="57150" dist="19050" dir="5400000" algn="ctr" rotWithShape="0">
+            <a:outerShdw blurRad="76200" dist="25400" dir="5400000" algn="tl" rotWithShape="0">
               <a:srgbClr val="000000">
-                <a:alpha val="63000"/>
+                <a:alpha val="55000"/>
               </a:srgbClr>
             </a:outerShdw>
           </a:effectLst>
+          <a:scene3d>
+            <a:camera prst="orthographicFront">
+              <a:rot lat="0" lon="0" rev="0"/>
+            </a:camera>
+            <a:lightRig rig="brightRoom" dir="tl"/>
+          </a:scene3d>
+          <a:sp3d contourW="19050" prstMaterial="flat">
+            <a:bevelT w="0" h="0" prst="coolSlant"/>
+            <a:contourClr>
+              <a:schemeClr val="phClr">
+                <a:shade val="25000"/>
+                <a:satMod val="140000"/>
+              </a:schemeClr>
+            </a:contourClr>
+          </a:sp3d>
         </a:effectStyle>
       </a:effectStyleLst>
       <a:bgFillStyleLst>
@@ -3651,28 +4506,23 @@
           <a:gsLst>
             <a:gs pos="0">
               <a:schemeClr val="phClr">
-                <a:tint val="93000"/>
-                <a:satMod val="150000"/>
+                <a:tint val="94000"/>
                 <a:shade val="98000"/>
+                <a:satMod val="130000"/>
                 <a:lumMod val="102000"/>
-              </a:schemeClr>
-            </a:gs>
-            <a:gs pos="50000">
-              <a:schemeClr val="phClr">
-                <a:tint val="98000"/>
-                <a:satMod val="130000"/>
-                <a:shade val="90000"/>
-                <a:lumMod val="103000"/>
               </a:schemeClr>
             </a:gs>
             <a:gs pos="100000">
               <a:schemeClr val="phClr">
-                <a:shade val="63000"/>
-                <a:satMod val="120000"/>
+                <a:tint val="98000"/>
+                <a:shade val="78000"/>
+                <a:satMod val="140000"/>
               </a:schemeClr>
             </a:gs>
           </a:gsLst>
-          <a:lin ang="5400000" scaled="0"/>
+          <a:path path="circle">
+            <a:fillToRect l="100000" t="100000" r="100000" b="100000"/>
+          </a:path>
         </a:gradFill>
       </a:bgFillStyleLst>
     </a:fmtScheme>
@@ -3681,7 +4531,7 @@
   <a:extraClrSchemeLst/>
   <a:extLst>
     <a:ext uri="{05A4C25C-085E-4340-85A3-A5531E510DB2}">
-      <thm15:themeFamily xmlns:thm15="http://schemas.microsoft.com/office/thememl/2012/main" name="Office Theme" id="{62F939B6-93AF-4DB8-9C6B-D6C7DFDC589F}" vid="{4A3C46E8-61CC-4603-A589-7422A47A8E4A}"/>
+      <thm15:themeFamily xmlns:thm15="http://schemas.microsoft.com/office/thememl/2012/main" name="View" id="{BA0EB5A6-F2D4-4F82-977B-64ADEE4A2A69}" vid="{3969A8A2-35DB-4E3B-8885-16FD20568674}"/>
     </a:ext>
   </a:extLst>
 </a:theme>

--- a/ppt/Presentation.pptx
+++ b/ppt/Presentation.pptx
@@ -8,9 +8,10 @@
     <p:sldId id="256" r:id="rId2"/>
     <p:sldId id="257" r:id="rId3"/>
     <p:sldId id="262" r:id="rId4"/>
-    <p:sldId id="261" r:id="rId5"/>
-    <p:sldId id="258" r:id="rId6"/>
-    <p:sldId id="259" r:id="rId7"/>
+    <p:sldId id="263" r:id="rId5"/>
+    <p:sldId id="261" r:id="rId6"/>
+    <p:sldId id="258" r:id="rId7"/>
+    <p:sldId id="259" r:id="rId8"/>
   </p:sldIdLst>
   <p:sldSz cx="12192000" cy="6858000"/>
   <p:notesSz cx="6858000" cy="9144000"/>
@@ -285,7 +286,7 @@
           <a:p>
             <a:fld id="{615BF2CF-6B1E-4295-8497-3C1A078AB40C}" type="datetimeFigureOut">
               <a:rPr lang="en-US" smtClean="0"/>
-              <a:t>26-Apr-20</a:t>
+              <a:t>27-Apr-20</a:t>
             </a:fld>
             <a:endParaRPr lang="en-US"/>
           </a:p>
@@ -513,7 +514,7 @@
           <a:p>
             <a:fld id="{615BF2CF-6B1E-4295-8497-3C1A078AB40C}" type="datetimeFigureOut">
               <a:rPr lang="en-US" smtClean="0"/>
-              <a:t>26-Apr-20</a:t>
+              <a:t>27-Apr-20</a:t>
             </a:fld>
             <a:endParaRPr lang="en-US"/>
           </a:p>
@@ -693,7 +694,7 @@
           <a:p>
             <a:fld id="{615BF2CF-6B1E-4295-8497-3C1A078AB40C}" type="datetimeFigureOut">
               <a:rPr lang="en-US" smtClean="0"/>
-              <a:t>26-Apr-20</a:t>
+              <a:t>27-Apr-20</a:t>
             </a:fld>
             <a:endParaRPr lang="en-US"/>
           </a:p>
@@ -863,7 +864,7 @@
           <a:p>
             <a:fld id="{615BF2CF-6B1E-4295-8497-3C1A078AB40C}" type="datetimeFigureOut">
               <a:rPr lang="en-US" smtClean="0"/>
-              <a:t>26-Apr-20</a:t>
+              <a:t>27-Apr-20</a:t>
             </a:fld>
             <a:endParaRPr lang="en-US"/>
           </a:p>
@@ -1117,7 +1118,7 @@
           <a:p>
             <a:fld id="{615BF2CF-6B1E-4295-8497-3C1A078AB40C}" type="datetimeFigureOut">
               <a:rPr lang="en-US" smtClean="0"/>
-              <a:t>26-Apr-20</a:t>
+              <a:t>27-Apr-20</a:t>
             </a:fld>
             <a:endParaRPr lang="en-US"/>
           </a:p>
@@ -1443,7 +1444,7 @@
           <a:p>
             <a:fld id="{615BF2CF-6B1E-4295-8497-3C1A078AB40C}" type="datetimeFigureOut">
               <a:rPr lang="en-US" smtClean="0"/>
-              <a:t>26-Apr-20</a:t>
+              <a:t>27-Apr-20</a:t>
             </a:fld>
             <a:endParaRPr lang="en-US"/>
           </a:p>
@@ -1894,7 +1895,7 @@
           <a:p>
             <a:fld id="{615BF2CF-6B1E-4295-8497-3C1A078AB40C}" type="datetimeFigureOut">
               <a:rPr lang="en-US" smtClean="0"/>
-              <a:t>26-Apr-20</a:t>
+              <a:t>27-Apr-20</a:t>
             </a:fld>
             <a:endParaRPr lang="en-US"/>
           </a:p>
@@ -2012,7 +2013,7 @@
           <a:p>
             <a:fld id="{615BF2CF-6B1E-4295-8497-3C1A078AB40C}" type="datetimeFigureOut">
               <a:rPr lang="en-US" smtClean="0"/>
-              <a:t>26-Apr-20</a:t>
+              <a:t>27-Apr-20</a:t>
             </a:fld>
             <a:endParaRPr lang="en-US"/>
           </a:p>
@@ -2107,7 +2108,7 @@
           <a:p>
             <a:fld id="{615BF2CF-6B1E-4295-8497-3C1A078AB40C}" type="datetimeFigureOut">
               <a:rPr lang="en-US" smtClean="0"/>
-              <a:t>26-Apr-20</a:t>
+              <a:t>27-Apr-20</a:t>
             </a:fld>
             <a:endParaRPr lang="en-US"/>
           </a:p>
@@ -2394,7 +2395,7 @@
           <a:p>
             <a:fld id="{615BF2CF-6B1E-4295-8497-3C1A078AB40C}" type="datetimeFigureOut">
               <a:rPr lang="en-US" smtClean="0"/>
-              <a:t>26-Apr-20</a:t>
+              <a:t>27-Apr-20</a:t>
             </a:fld>
             <a:endParaRPr lang="en-US"/>
           </a:p>
@@ -2716,7 +2717,7 @@
           <a:p>
             <a:fld id="{615BF2CF-6B1E-4295-8497-3C1A078AB40C}" type="datetimeFigureOut">
               <a:rPr lang="en-US" smtClean="0"/>
-              <a:t>26-Apr-20</a:t>
+              <a:t>27-Apr-20</a:t>
             </a:fld>
             <a:endParaRPr lang="en-US"/>
           </a:p>
@@ -2970,7 +2971,7 @@
           <a:p>
             <a:fld id="{615BF2CF-6B1E-4295-8497-3C1A078AB40C}" type="datetimeFigureOut">
               <a:rPr lang="en-US" smtClean="0"/>
-              <a:t>26-Apr-20</a:t>
+              <a:t>27-Apr-20</a:t>
             </a:fld>
             <a:endParaRPr lang="en-US"/>
           </a:p>
@@ -3618,31 +3619,6 @@
           </a:p>
         </p:txBody>
       </p:sp>
-      <p:sp>
-        <p:nvSpPr>
-          <p:cNvPr id="3" name="Content Placeholder 2">
-            <a:extLst>
-              <a:ext uri="{FF2B5EF4-FFF2-40B4-BE49-F238E27FC236}">
-                <a16:creationId xmlns:a16="http://schemas.microsoft.com/office/drawing/2014/main" id="{EA15E88C-DCB6-4805-91BC-21A410619E58}"/>
-              </a:ext>
-            </a:extLst>
-          </p:cNvPr>
-          <p:cNvSpPr>
-            <a:spLocks noGrp="1"/>
-          </p:cNvSpPr>
-          <p:nvPr>
-            <p:ph idx="1"/>
-          </p:nvPr>
-        </p:nvSpPr>
-        <p:spPr/>
-        <p:txBody>
-          <a:bodyPr/>
-          <a:lstStyle/>
-          <a:p>
-            <a:endParaRPr lang="en-US" dirty="0"/>
-          </a:p>
-        </p:txBody>
-      </p:sp>
       <p:pic>
         <p:nvPicPr>
           <p:cNvPr id="4" name="Picture 3">
@@ -3704,10 +3680,10 @@
       </p:grpSpPr>
       <p:pic>
         <p:nvPicPr>
-          <p:cNvPr id="4" name="Picture 3">
+          <p:cNvPr id="3" name="Picture 2">
             <a:extLst>
               <a:ext uri="{FF2B5EF4-FFF2-40B4-BE49-F238E27FC236}">
-                <a16:creationId xmlns:a16="http://schemas.microsoft.com/office/drawing/2014/main" id="{D866F662-2F4F-4A30-AFE7-6AC04483D5A6}"/>
+                <a16:creationId xmlns:a16="http://schemas.microsoft.com/office/drawing/2014/main" id="{732B60AC-B350-4B4D-B390-876FE3772E9E}"/>
               </a:ext>
             </a:extLst>
           </p:cNvPr>
@@ -3716,44 +3692,22 @@
           </p:cNvPicPr>
           <p:nvPr/>
         </p:nvPicPr>
-        <p:blipFill rotWithShape="1">
-          <a:blip r:embed="rId2"/>
-          <a:srcRect t="38440" r="37527" b="26241"/>
-          <a:stretch/>
+        <p:blipFill>
+          <a:blip r:embed="rId2">
+            <a:extLst>
+              <a:ext uri="{28A0092B-C50C-407E-A947-70E740481C1C}">
+                <a14:useLocalDpi xmlns:a14="http://schemas.microsoft.com/office/drawing/2010/main" val="0"/>
+              </a:ext>
+            </a:extLst>
+          </a:blip>
+          <a:stretch>
+            <a:fillRect/>
+          </a:stretch>
         </p:blipFill>
         <p:spPr>
           <a:xfrm>
-            <a:off x="1673155" y="330739"/>
-            <a:ext cx="7616757" cy="2422187"/>
-          </a:xfrm>
-          <a:prstGeom prst="rect">
-            <a:avLst/>
-          </a:prstGeom>
-        </p:spPr>
-      </p:pic>
-      <p:pic>
-        <p:nvPicPr>
-          <p:cNvPr id="5" name="Picture 4">
-            <a:extLst>
-              <a:ext uri="{FF2B5EF4-FFF2-40B4-BE49-F238E27FC236}">
-                <a16:creationId xmlns:a16="http://schemas.microsoft.com/office/drawing/2014/main" id="{DEB7D994-7D43-4678-BA7F-1910BF1892AB}"/>
-              </a:ext>
-            </a:extLst>
-          </p:cNvPr>
-          <p:cNvPicPr>
-            <a:picLocks noChangeAspect="1"/>
-          </p:cNvPicPr>
-          <p:nvPr/>
-        </p:nvPicPr>
-        <p:blipFill rotWithShape="1">
-          <a:blip r:embed="rId3"/>
-          <a:srcRect t="29362" r="43271" b="22553"/>
-          <a:stretch/>
-        </p:blipFill>
-        <p:spPr>
-          <a:xfrm>
-            <a:off x="2023350" y="3044760"/>
-            <a:ext cx="6916366" cy="3297676"/>
+            <a:off x="1340683" y="937865"/>
+            <a:ext cx="8926171" cy="4982270"/>
           </a:xfrm>
           <a:prstGeom prst="rect">
             <a:avLst/>
@@ -3774,6 +3728,65 @@
 </file>
 
 <file path=ppt/slides/slide4.xml><?xml version="1.0" encoding="utf-8"?>
+<p:sld xmlns:a="http://schemas.openxmlformats.org/drawingml/2006/main" xmlns:r="http://schemas.openxmlformats.org/officeDocument/2006/relationships" xmlns:p="http://schemas.openxmlformats.org/presentationml/2006/main">
+  <p:cSld>
+    <p:spTree>
+      <p:nvGrpSpPr>
+        <p:cNvPr id="1" name=""/>
+        <p:cNvGrpSpPr/>
+        <p:nvPr/>
+      </p:nvGrpSpPr>
+      <p:grpSpPr>
+        <a:xfrm>
+          <a:off x="0" y="0"/>
+          <a:ext cx="0" cy="0"/>
+          <a:chOff x="0" y="0"/>
+          <a:chExt cx="0" cy="0"/>
+        </a:xfrm>
+      </p:grpSpPr>
+      <p:pic>
+        <p:nvPicPr>
+          <p:cNvPr id="4" name="Picture 3">
+            <a:extLst>
+              <a:ext uri="{FF2B5EF4-FFF2-40B4-BE49-F238E27FC236}">
+                <a16:creationId xmlns:a16="http://schemas.microsoft.com/office/drawing/2014/main" id="{8443B741-2569-4A58-9094-AD367E9C9A4B}"/>
+              </a:ext>
+            </a:extLst>
+          </p:cNvPr>
+          <p:cNvPicPr>
+            <a:picLocks noChangeAspect="1"/>
+          </p:cNvPicPr>
+          <p:nvPr/>
+        </p:nvPicPr>
+        <p:blipFill rotWithShape="1">
+          <a:blip r:embed="rId2"/>
+          <a:srcRect t="29362" r="43271" b="22553"/>
+          <a:stretch/>
+        </p:blipFill>
+        <p:spPr>
+          <a:xfrm>
+            <a:off x="1504874" y="1516260"/>
+            <a:ext cx="8023351" cy="3825479"/>
+          </a:xfrm>
+          <a:prstGeom prst="rect">
+            <a:avLst/>
+          </a:prstGeom>
+        </p:spPr>
+      </p:pic>
+    </p:spTree>
+    <p:extLst>
+      <p:ext uri="{BB962C8B-B14F-4D97-AF65-F5344CB8AC3E}">
+        <p14:creationId xmlns:p14="http://schemas.microsoft.com/office/powerpoint/2010/main" val="194733484"/>
+      </p:ext>
+    </p:extLst>
+  </p:cSld>
+  <p:clrMapOvr>
+    <a:masterClrMapping/>
+  </p:clrMapOvr>
+</p:sld>
+</file>
+
+<file path=ppt/slides/slide5.xml><?xml version="1.0" encoding="utf-8"?>
 <p:sld xmlns:a="http://schemas.openxmlformats.org/drawingml/2006/main" xmlns:r="http://schemas.openxmlformats.org/officeDocument/2006/relationships" xmlns:p="http://schemas.openxmlformats.org/presentationml/2006/main">
   <p:cSld>
     <p:spTree>
@@ -4081,7 +4094,7 @@
 </p:sld>
 </file>
 
-<file path=ppt/slides/slide5.xml><?xml version="1.0" encoding="utf-8"?>
+<file path=ppt/slides/slide6.xml><?xml version="1.0" encoding="utf-8"?>
 <p:sld xmlns:a="http://schemas.openxmlformats.org/drawingml/2006/main" xmlns:r="http://schemas.openxmlformats.org/officeDocument/2006/relationships" xmlns:p="http://schemas.openxmlformats.org/presentationml/2006/main">
   <p:cSld>
     <p:spTree>
@@ -4175,7 +4188,7 @@
 </p:sld>
 </file>
 
-<file path=ppt/slides/slide6.xml><?xml version="1.0" encoding="utf-8"?>
+<file path=ppt/slides/slide7.xml><?xml version="1.0" encoding="utf-8"?>
 <p:sld xmlns:a="http://schemas.openxmlformats.org/drawingml/2006/main" xmlns:r="http://schemas.openxmlformats.org/officeDocument/2006/relationships" xmlns:p="http://schemas.openxmlformats.org/presentationml/2006/main">
   <p:cSld>
     <p:spTree>
